--- a/publicTransportConnection-pres.pptx
+++ b/publicTransportConnection-pres.pptx
@@ -16,7 +16,8 @@
     <p:sldId id="267" r:id="rId10"/>
     <p:sldId id="268" r:id="rId11"/>
     <p:sldId id="269" r:id="rId12"/>
-    <p:sldId id="270" r:id="rId13"/>
+    <p:sldId id="271" r:id="rId13"/>
+    <p:sldId id="270" r:id="rId14"/>
   </p:sldIdLst>
   <p:sldSz cx="12192000" cy="6858000"/>
   <p:notesSz cx="6858000" cy="9144000"/>
@@ -12569,6 +12570,4365 @@
 <file path=ppt/slides/slide12.xml><?xml version="1.0" encoding="utf-8"?>
 <p:sld xmlns:a="http://schemas.openxmlformats.org/drawingml/2006/main" xmlns:r="http://schemas.openxmlformats.org/officeDocument/2006/relationships" xmlns:p="http://schemas.openxmlformats.org/presentationml/2006/main">
   <p:cSld>
+    <p:spTree>
+      <p:nvGrpSpPr>
+        <p:cNvPr id="1" name=""/>
+        <p:cNvGrpSpPr/>
+        <p:nvPr/>
+      </p:nvGrpSpPr>
+      <p:grpSpPr>
+        <a:xfrm>
+          <a:off x="0" y="0"/>
+          <a:ext cx="0" cy="0"/>
+          <a:chOff x="0" y="0"/>
+          <a:chExt cx="0" cy="0"/>
+        </a:xfrm>
+      </p:grpSpPr>
+      <p:pic>
+        <p:nvPicPr>
+          <p:cNvPr id="2" name="Image 1"/>
+          <p:cNvPicPr>
+            <a:picLocks noChangeAspect="1"/>
+          </p:cNvPicPr>
+          <p:nvPr/>
+        </p:nvPicPr>
+        <p:blipFill>
+          <a:blip r:embed="rId2"/>
+          <a:stretch>
+            <a:fillRect/>
+          </a:stretch>
+        </p:blipFill>
+        <p:spPr>
+          <a:xfrm>
+            <a:off x="6441440" y="2323092"/>
+            <a:ext cx="5750560" cy="4534908"/>
+          </a:xfrm>
+          <a:prstGeom prst="rect">
+            <a:avLst/>
+          </a:prstGeom>
+        </p:spPr>
+      </p:pic>
+      <p:grpSp>
+        <p:nvGrpSpPr>
+          <p:cNvPr id="3" name="Group 1286"/>
+          <p:cNvGrpSpPr/>
+          <p:nvPr/>
+        </p:nvGrpSpPr>
+        <p:grpSpPr>
+          <a:xfrm>
+            <a:off x="425450" y="5617515"/>
+            <a:ext cx="1536705" cy="734059"/>
+            <a:chOff x="0" y="0"/>
+            <a:chExt cx="1536790" cy="734577"/>
+          </a:xfrm>
+        </p:grpSpPr>
+        <p:sp>
+          <p:nvSpPr>
+            <p:cNvPr id="4" name="Shape 9"/>
+            <p:cNvSpPr/>
+            <p:nvPr/>
+          </p:nvSpPr>
+          <p:spPr>
+            <a:xfrm>
+              <a:off x="383876" y="653968"/>
+              <a:ext cx="69028" cy="80609"/>
+            </a:xfrm>
+            <a:custGeom>
+              <a:avLst/>
+              <a:gdLst/>
+              <a:ahLst/>
+              <a:cxnLst/>
+              <a:rect l="0" t="0" r="0" b="0"/>
+              <a:pathLst>
+                <a:path w="69028" h="80609">
+                  <a:moveTo>
+                    <a:pt x="0" y="0"/>
+                  </a:moveTo>
+                  <a:lnTo>
+                    <a:pt x="17257" y="0"/>
+                  </a:lnTo>
+                  <a:lnTo>
+                    <a:pt x="17257" y="44798"/>
+                  </a:lnTo>
+                  <a:cubicBezTo>
+                    <a:pt x="17257" y="57837"/>
+                    <a:pt x="23682" y="64448"/>
+                    <a:pt x="34514" y="64448"/>
+                  </a:cubicBezTo>
+                  <a:cubicBezTo>
+                    <a:pt x="45162" y="64448"/>
+                    <a:pt x="51587" y="57837"/>
+                    <a:pt x="51587" y="45348"/>
+                  </a:cubicBezTo>
+                  <a:lnTo>
+                    <a:pt x="51587" y="0"/>
+                  </a:lnTo>
+                  <a:lnTo>
+                    <a:pt x="69028" y="0"/>
+                  </a:lnTo>
+                  <a:lnTo>
+                    <a:pt x="69028" y="44798"/>
+                  </a:lnTo>
+                  <a:cubicBezTo>
+                    <a:pt x="69028" y="68855"/>
+                    <a:pt x="55443" y="80609"/>
+                    <a:pt x="34147" y="80609"/>
+                  </a:cubicBezTo>
+                  <a:cubicBezTo>
+                    <a:pt x="12851" y="80609"/>
+                    <a:pt x="0" y="68672"/>
+                    <a:pt x="0" y="45348"/>
+                  </a:cubicBezTo>
+                  <a:lnTo>
+                    <a:pt x="0" y="0"/>
+                  </a:lnTo>
+                  <a:close/>
+                </a:path>
+              </a:pathLst>
+            </a:custGeom>
+            <a:ln w="0" cap="flat">
+              <a:miter lim="127000"/>
+            </a:ln>
+          </p:spPr>
+          <p:style>
+            <a:lnRef idx="0">
+              <a:srgbClr val="000000"/>
+            </a:lnRef>
+            <a:fillRef idx="1">
+              <a:srgbClr val="000000"/>
+            </a:fillRef>
+            <a:effectRef idx="0">
+              <a:scrgbClr r="0" g="0" b="0"/>
+            </a:effectRef>
+            <a:fontRef idx="none"/>
+          </p:style>
+          <p:txBody>
+            <a:bodyPr/>
+            <a:lstStyle/>
+            <a:p>
+              <a:endParaRPr lang="fr-FR"/>
+            </a:p>
+          </p:txBody>
+        </p:sp>
+        <p:sp>
+          <p:nvSpPr>
+            <p:cNvPr id="5" name="Shape 1677"/>
+            <p:cNvSpPr/>
+            <p:nvPr/>
+          </p:nvSpPr>
+          <p:spPr>
+            <a:xfrm>
+              <a:off x="475118" y="653785"/>
+              <a:ext cx="13402" cy="79323"/>
+            </a:xfrm>
+            <a:custGeom>
+              <a:avLst/>
+              <a:gdLst/>
+              <a:ahLst/>
+              <a:cxnLst/>
+              <a:rect l="0" t="0" r="0" b="0"/>
+              <a:pathLst>
+                <a:path w="13402" h="79323">
+                  <a:moveTo>
+                    <a:pt x="0" y="0"/>
+                  </a:moveTo>
+                  <a:lnTo>
+                    <a:pt x="13402" y="0"/>
+                  </a:lnTo>
+                  <a:lnTo>
+                    <a:pt x="13402" y="79323"/>
+                  </a:lnTo>
+                  <a:lnTo>
+                    <a:pt x="0" y="79323"/>
+                  </a:lnTo>
+                  <a:lnTo>
+                    <a:pt x="0" y="0"/>
+                  </a:lnTo>
+                </a:path>
+              </a:pathLst>
+            </a:custGeom>
+            <a:ln w="0" cap="flat">
+              <a:miter lim="127000"/>
+            </a:ln>
+          </p:spPr>
+          <p:style>
+            <a:lnRef idx="0">
+              <a:srgbClr val="000000"/>
+            </a:lnRef>
+            <a:fillRef idx="1">
+              <a:srgbClr val="000000"/>
+            </a:fillRef>
+            <a:effectRef idx="0">
+              <a:scrgbClr r="0" g="0" b="0"/>
+            </a:effectRef>
+            <a:fontRef idx="none"/>
+          </p:style>
+          <p:txBody>
+            <a:bodyPr/>
+            <a:lstStyle/>
+            <a:p>
+              <a:endParaRPr lang="fr-FR"/>
+            </a:p>
+          </p:txBody>
+        </p:sp>
+        <p:sp>
+          <p:nvSpPr>
+            <p:cNvPr id="6" name="Shape 11"/>
+            <p:cNvSpPr/>
+            <p:nvPr/>
+          </p:nvSpPr>
+          <p:spPr>
+            <a:xfrm>
+              <a:off x="378001" y="534781"/>
+              <a:ext cx="53974" cy="80805"/>
+            </a:xfrm>
+            <a:custGeom>
+              <a:avLst/>
+              <a:gdLst/>
+              <a:ahLst/>
+              <a:cxnLst/>
+              <a:rect l="0" t="0" r="0" b="0"/>
+              <a:pathLst>
+                <a:path w="53974" h="80805">
+                  <a:moveTo>
+                    <a:pt x="36166" y="0"/>
+                  </a:moveTo>
+                  <a:lnTo>
+                    <a:pt x="53974" y="0"/>
+                  </a:lnTo>
+                  <a:lnTo>
+                    <a:pt x="53974" y="51972"/>
+                  </a:lnTo>
+                  <a:cubicBezTo>
+                    <a:pt x="53974" y="61522"/>
+                    <a:pt x="51037" y="68500"/>
+                    <a:pt x="46447" y="73275"/>
+                  </a:cubicBezTo>
+                  <a:cubicBezTo>
+                    <a:pt x="41490" y="77867"/>
+                    <a:pt x="34514" y="80621"/>
+                    <a:pt x="25885" y="80805"/>
+                  </a:cubicBezTo>
+                  <a:cubicBezTo>
+                    <a:pt x="13585" y="80805"/>
+                    <a:pt x="5324" y="75112"/>
+                    <a:pt x="0" y="68868"/>
+                  </a:cubicBezTo>
+                  <a:lnTo>
+                    <a:pt x="11015" y="56564"/>
+                  </a:lnTo>
+                  <a:cubicBezTo>
+                    <a:pt x="15421" y="61522"/>
+                    <a:pt x="19827" y="64460"/>
+                    <a:pt x="25335" y="64460"/>
+                  </a:cubicBezTo>
+                  <a:cubicBezTo>
+                    <a:pt x="31944" y="64460"/>
+                    <a:pt x="36166" y="60420"/>
+                    <a:pt x="36166" y="51238"/>
+                  </a:cubicBezTo>
+                  <a:lnTo>
+                    <a:pt x="36166" y="0"/>
+                  </a:lnTo>
+                  <a:close/>
+                </a:path>
+              </a:pathLst>
+            </a:custGeom>
+            <a:ln w="0" cap="flat">
+              <a:miter lim="127000"/>
+            </a:ln>
+          </p:spPr>
+          <p:style>
+            <a:lnRef idx="0">
+              <a:srgbClr val="000000"/>
+            </a:lnRef>
+            <a:fillRef idx="1">
+              <a:srgbClr val="000000"/>
+            </a:fillRef>
+            <a:effectRef idx="0">
+              <a:scrgbClr r="0" g="0" b="0"/>
+            </a:effectRef>
+            <a:fontRef idx="none"/>
+          </p:style>
+          <p:txBody>
+            <a:bodyPr/>
+            <a:lstStyle/>
+            <a:p>
+              <a:endParaRPr lang="fr-FR"/>
+            </a:p>
+          </p:txBody>
+        </p:sp>
+        <p:sp>
+          <p:nvSpPr>
+            <p:cNvPr id="7" name="Shape 12"/>
+            <p:cNvSpPr/>
+            <p:nvPr/>
+          </p:nvSpPr>
+          <p:spPr>
+            <a:xfrm>
+              <a:off x="445928" y="533312"/>
+              <a:ext cx="42592" cy="82274"/>
+            </a:xfrm>
+            <a:custGeom>
+              <a:avLst/>
+              <a:gdLst/>
+              <a:ahLst/>
+              <a:cxnLst/>
+              <a:rect l="0" t="0" r="0" b="0"/>
+              <a:pathLst>
+                <a:path w="42592" h="82274">
+                  <a:moveTo>
+                    <a:pt x="42408" y="0"/>
+                  </a:moveTo>
+                  <a:lnTo>
+                    <a:pt x="42592" y="35"/>
+                  </a:lnTo>
+                  <a:lnTo>
+                    <a:pt x="42592" y="16239"/>
+                  </a:lnTo>
+                  <a:lnTo>
+                    <a:pt x="42408" y="16161"/>
+                  </a:lnTo>
+                  <a:cubicBezTo>
+                    <a:pt x="28456" y="16161"/>
+                    <a:pt x="18726" y="27363"/>
+                    <a:pt x="18726" y="41137"/>
+                  </a:cubicBezTo>
+                  <a:cubicBezTo>
+                    <a:pt x="18726" y="48024"/>
+                    <a:pt x="21204" y="54268"/>
+                    <a:pt x="25427" y="58790"/>
+                  </a:cubicBezTo>
+                  <a:lnTo>
+                    <a:pt x="42592" y="66113"/>
+                  </a:lnTo>
+                  <a:lnTo>
+                    <a:pt x="42592" y="82204"/>
+                  </a:lnTo>
+                  <a:lnTo>
+                    <a:pt x="42225" y="82274"/>
+                  </a:lnTo>
+                  <a:cubicBezTo>
+                    <a:pt x="17624" y="82274"/>
+                    <a:pt x="0" y="63909"/>
+                    <a:pt x="0" y="41320"/>
+                  </a:cubicBezTo>
+                  <a:lnTo>
+                    <a:pt x="0" y="41137"/>
+                  </a:lnTo>
+                  <a:cubicBezTo>
+                    <a:pt x="0" y="18365"/>
+                    <a:pt x="17991" y="0"/>
+                    <a:pt x="42408" y="0"/>
+                  </a:cubicBezTo>
+                  <a:close/>
+                </a:path>
+              </a:pathLst>
+            </a:custGeom>
+            <a:ln w="0" cap="flat">
+              <a:miter lim="127000"/>
+            </a:ln>
+          </p:spPr>
+          <p:style>
+            <a:lnRef idx="0">
+              <a:srgbClr val="000000"/>
+            </a:lnRef>
+            <a:fillRef idx="1">
+              <a:srgbClr val="000000"/>
+            </a:fillRef>
+            <a:effectRef idx="0">
+              <a:scrgbClr r="0" g="0" b="0"/>
+            </a:effectRef>
+            <a:fontRef idx="none"/>
+          </p:style>
+          <p:txBody>
+            <a:bodyPr/>
+            <a:lstStyle/>
+            <a:p>
+              <a:endParaRPr lang="fr-FR"/>
+            </a:p>
+          </p:txBody>
+        </p:sp>
+        <p:sp>
+          <p:nvSpPr>
+            <p:cNvPr id="8" name="Shape 1678"/>
+            <p:cNvSpPr/>
+            <p:nvPr/>
+          </p:nvSpPr>
+          <p:spPr>
+            <a:xfrm>
+              <a:off x="383876" y="314588"/>
+              <a:ext cx="104644" cy="98802"/>
+            </a:xfrm>
+            <a:custGeom>
+              <a:avLst/>
+              <a:gdLst/>
+              <a:ahLst/>
+              <a:cxnLst/>
+              <a:rect l="0" t="0" r="0" b="0"/>
+              <a:pathLst>
+                <a:path w="104644" h="98802">
+                  <a:moveTo>
+                    <a:pt x="0" y="0"/>
+                  </a:moveTo>
+                  <a:lnTo>
+                    <a:pt x="104644" y="0"/>
+                  </a:lnTo>
+                  <a:lnTo>
+                    <a:pt x="104644" y="98802"/>
+                  </a:lnTo>
+                  <a:lnTo>
+                    <a:pt x="0" y="98802"/>
+                  </a:lnTo>
+                  <a:lnTo>
+                    <a:pt x="0" y="0"/>
+                  </a:lnTo>
+                </a:path>
+              </a:pathLst>
+            </a:custGeom>
+            <a:ln w="0" cap="flat">
+              <a:miter lim="127000"/>
+            </a:ln>
+          </p:spPr>
+          <p:style>
+            <a:lnRef idx="0">
+              <a:srgbClr val="000000"/>
+            </a:lnRef>
+            <a:fillRef idx="1">
+              <a:srgbClr val="000000"/>
+            </a:fillRef>
+            <a:effectRef idx="0">
+              <a:scrgbClr r="0" g="0" b="0"/>
+            </a:effectRef>
+            <a:fontRef idx="none"/>
+          </p:style>
+          <p:txBody>
+            <a:bodyPr/>
+            <a:lstStyle/>
+            <a:p>
+              <a:endParaRPr lang="fr-FR"/>
+            </a:p>
+          </p:txBody>
+        </p:sp>
+        <p:sp>
+          <p:nvSpPr>
+            <p:cNvPr id="9" name="Shape 14"/>
+            <p:cNvSpPr/>
+            <p:nvPr/>
+          </p:nvSpPr>
+          <p:spPr>
+            <a:xfrm>
+              <a:off x="383876" y="0"/>
+              <a:ext cx="104644" cy="209610"/>
+            </a:xfrm>
+            <a:custGeom>
+              <a:avLst/>
+              <a:gdLst/>
+              <a:ahLst/>
+              <a:cxnLst/>
+              <a:rect l="0" t="0" r="0" b="0"/>
+              <a:pathLst>
+                <a:path w="104644" h="209610">
+                  <a:moveTo>
+                    <a:pt x="0" y="0"/>
+                  </a:moveTo>
+                  <a:lnTo>
+                    <a:pt x="104644" y="89773"/>
+                  </a:lnTo>
+                  <a:lnTo>
+                    <a:pt x="104644" y="209610"/>
+                  </a:lnTo>
+                  <a:lnTo>
+                    <a:pt x="0" y="119922"/>
+                  </a:lnTo>
+                  <a:lnTo>
+                    <a:pt x="0" y="0"/>
+                  </a:lnTo>
+                  <a:close/>
+                </a:path>
+              </a:pathLst>
+            </a:custGeom>
+            <a:ln w="0" cap="flat">
+              <a:miter lim="127000"/>
+            </a:ln>
+          </p:spPr>
+          <p:style>
+            <a:lnRef idx="0">
+              <a:srgbClr val="000000"/>
+            </a:lnRef>
+            <a:fillRef idx="1">
+              <a:srgbClr val="000000"/>
+            </a:fillRef>
+            <a:effectRef idx="0">
+              <a:scrgbClr r="0" g="0" b="0"/>
+            </a:effectRef>
+            <a:fontRef idx="none"/>
+          </p:style>
+          <p:txBody>
+            <a:bodyPr/>
+            <a:lstStyle/>
+            <a:p>
+              <a:endParaRPr lang="fr-FR"/>
+            </a:p>
+          </p:txBody>
+        </p:sp>
+        <p:sp>
+          <p:nvSpPr>
+            <p:cNvPr id="10" name="Shape 15"/>
+            <p:cNvSpPr/>
+            <p:nvPr/>
+          </p:nvSpPr>
+          <p:spPr>
+            <a:xfrm>
+              <a:off x="0" y="0"/>
+              <a:ext cx="309341" cy="418900"/>
+            </a:xfrm>
+            <a:custGeom>
+              <a:avLst/>
+              <a:gdLst/>
+              <a:ahLst/>
+              <a:cxnLst/>
+              <a:rect l="0" t="0" r="0" b="0"/>
+              <a:pathLst>
+                <a:path w="309341" h="418900">
+                  <a:moveTo>
+                    <a:pt x="206900" y="0"/>
+                  </a:moveTo>
+                  <a:lnTo>
+                    <a:pt x="309341" y="0"/>
+                  </a:lnTo>
+                  <a:lnTo>
+                    <a:pt x="309341" y="255453"/>
+                  </a:lnTo>
+                  <a:cubicBezTo>
+                    <a:pt x="309341" y="309262"/>
+                    <a:pt x="293736" y="349665"/>
+                    <a:pt x="266565" y="376844"/>
+                  </a:cubicBezTo>
+                  <a:cubicBezTo>
+                    <a:pt x="238661" y="404759"/>
+                    <a:pt x="197721" y="418900"/>
+                    <a:pt x="148520" y="418900"/>
+                  </a:cubicBezTo>
+                  <a:cubicBezTo>
+                    <a:pt x="77840" y="418900"/>
+                    <a:pt x="31026" y="387863"/>
+                    <a:pt x="0" y="350950"/>
+                  </a:cubicBezTo>
+                  <a:lnTo>
+                    <a:pt x="63153" y="280797"/>
+                  </a:lnTo>
+                  <a:cubicBezTo>
+                    <a:pt x="89039" y="309262"/>
+                    <a:pt x="114373" y="326158"/>
+                    <a:pt x="146134" y="326158"/>
+                  </a:cubicBezTo>
+                  <a:cubicBezTo>
+                    <a:pt x="183769" y="326158"/>
+                    <a:pt x="207084" y="303569"/>
+                    <a:pt x="207084" y="251046"/>
+                  </a:cubicBezTo>
+                  <a:lnTo>
+                    <a:pt x="206900" y="251046"/>
+                  </a:lnTo>
+                  <a:lnTo>
+                    <a:pt x="206900" y="0"/>
+                  </a:lnTo>
+                  <a:close/>
+                </a:path>
+              </a:pathLst>
+            </a:custGeom>
+            <a:ln w="0" cap="flat">
+              <a:miter lim="127000"/>
+            </a:ln>
+          </p:spPr>
+          <p:style>
+            <a:lnRef idx="0">
+              <a:srgbClr val="000000"/>
+            </a:lnRef>
+            <a:fillRef idx="1">
+              <a:srgbClr val="000000"/>
+            </a:fillRef>
+            <a:effectRef idx="0">
+              <a:scrgbClr r="0" g="0" b="0"/>
+            </a:effectRef>
+            <a:fontRef idx="none"/>
+          </p:style>
+          <p:txBody>
+            <a:bodyPr/>
+            <a:lstStyle/>
+            <a:p>
+              <a:endParaRPr lang="fr-FR"/>
+            </a:p>
+          </p:txBody>
+        </p:sp>
+        <p:sp>
+          <p:nvSpPr>
+            <p:cNvPr id="11" name="Shape 16"/>
+            <p:cNvSpPr/>
+            <p:nvPr/>
+          </p:nvSpPr>
+          <p:spPr>
+            <a:xfrm>
+              <a:off x="601975" y="653785"/>
+              <a:ext cx="62878" cy="79874"/>
+            </a:xfrm>
+            <a:custGeom>
+              <a:avLst/>
+              <a:gdLst/>
+              <a:ahLst/>
+              <a:cxnLst/>
+              <a:rect l="0" t="0" r="0" b="0"/>
+              <a:pathLst>
+                <a:path w="62878" h="79874">
+                  <a:moveTo>
+                    <a:pt x="0" y="0"/>
+                  </a:moveTo>
+                  <a:lnTo>
+                    <a:pt x="19276" y="0"/>
+                  </a:lnTo>
+                  <a:lnTo>
+                    <a:pt x="40021" y="55816"/>
+                  </a:lnTo>
+                  <a:lnTo>
+                    <a:pt x="60583" y="0"/>
+                  </a:lnTo>
+                  <a:lnTo>
+                    <a:pt x="62878" y="0"/>
+                  </a:lnTo>
+                  <a:lnTo>
+                    <a:pt x="62878" y="41306"/>
+                  </a:lnTo>
+                  <a:lnTo>
+                    <a:pt x="47365" y="79874"/>
+                  </a:lnTo>
+                  <a:lnTo>
+                    <a:pt x="31944" y="79874"/>
+                  </a:lnTo>
+                  <a:lnTo>
+                    <a:pt x="0" y="0"/>
+                  </a:lnTo>
+                  <a:close/>
+                </a:path>
+              </a:pathLst>
+            </a:custGeom>
+            <a:ln w="0" cap="flat">
+              <a:miter lim="127000"/>
+            </a:ln>
+          </p:spPr>
+          <p:style>
+            <a:lnRef idx="0">
+              <a:srgbClr val="000000"/>
+            </a:lnRef>
+            <a:fillRef idx="1">
+              <a:srgbClr val="000000"/>
+            </a:fillRef>
+            <a:effectRef idx="0">
+              <a:scrgbClr r="0" g="0" b="0"/>
+            </a:effectRef>
+            <a:fontRef idx="none"/>
+          </p:style>
+          <p:txBody>
+            <a:bodyPr/>
+            <a:lstStyle/>
+            <a:p>
+              <a:endParaRPr lang="fr-FR"/>
+            </a:p>
+          </p:txBody>
+        </p:sp>
+        <p:sp>
+          <p:nvSpPr>
+            <p:cNvPr id="12" name="Shape 1679"/>
+            <p:cNvSpPr/>
+            <p:nvPr/>
+          </p:nvSpPr>
+          <p:spPr>
+            <a:xfrm>
+              <a:off x="569297" y="653785"/>
+              <a:ext cx="17440" cy="79323"/>
+            </a:xfrm>
+            <a:custGeom>
+              <a:avLst/>
+              <a:gdLst/>
+              <a:ahLst/>
+              <a:cxnLst/>
+              <a:rect l="0" t="0" r="0" b="0"/>
+              <a:pathLst>
+                <a:path w="17440" h="79323">
+                  <a:moveTo>
+                    <a:pt x="0" y="0"/>
+                  </a:moveTo>
+                  <a:lnTo>
+                    <a:pt x="17440" y="0"/>
+                  </a:lnTo>
+                  <a:lnTo>
+                    <a:pt x="17440" y="79323"/>
+                  </a:lnTo>
+                  <a:lnTo>
+                    <a:pt x="0" y="79323"/>
+                  </a:lnTo>
+                  <a:lnTo>
+                    <a:pt x="0" y="0"/>
+                  </a:lnTo>
+                </a:path>
+              </a:pathLst>
+            </a:custGeom>
+            <a:ln w="0" cap="flat">
+              <a:miter lim="127000"/>
+            </a:ln>
+          </p:spPr>
+          <p:style>
+            <a:lnRef idx="0">
+              <a:srgbClr val="000000"/>
+            </a:lnRef>
+            <a:fillRef idx="1">
+              <a:srgbClr val="000000"/>
+            </a:fillRef>
+            <a:effectRef idx="0">
+              <a:scrgbClr r="0" g="0" b="0"/>
+            </a:effectRef>
+            <a:fontRef idx="none"/>
+          </p:style>
+          <p:txBody>
+            <a:bodyPr/>
+            <a:lstStyle/>
+            <a:p>
+              <a:endParaRPr lang="fr-FR"/>
+            </a:p>
+          </p:txBody>
+        </p:sp>
+        <p:sp>
+          <p:nvSpPr>
+            <p:cNvPr id="13" name="Shape 18"/>
+            <p:cNvSpPr/>
+            <p:nvPr/>
+          </p:nvSpPr>
+          <p:spPr>
+            <a:xfrm>
+              <a:off x="488520" y="653785"/>
+              <a:ext cx="57095" cy="79323"/>
+            </a:xfrm>
+            <a:custGeom>
+              <a:avLst/>
+              <a:gdLst/>
+              <a:ahLst/>
+              <a:cxnLst/>
+              <a:rect l="0" t="0" r="0" b="0"/>
+              <a:pathLst>
+                <a:path w="57095" h="79323">
+                  <a:moveTo>
+                    <a:pt x="0" y="0"/>
+                  </a:moveTo>
+                  <a:lnTo>
+                    <a:pt x="2754" y="0"/>
+                  </a:lnTo>
+                  <a:lnTo>
+                    <a:pt x="40021" y="49021"/>
+                  </a:lnTo>
+                  <a:lnTo>
+                    <a:pt x="40021" y="0"/>
+                  </a:lnTo>
+                  <a:lnTo>
+                    <a:pt x="57095" y="0"/>
+                  </a:lnTo>
+                  <a:lnTo>
+                    <a:pt x="57095" y="79323"/>
+                  </a:lnTo>
+                  <a:lnTo>
+                    <a:pt x="42224" y="79323"/>
+                  </a:lnTo>
+                  <a:lnTo>
+                    <a:pt x="3672" y="28820"/>
+                  </a:lnTo>
+                  <a:lnTo>
+                    <a:pt x="3672" y="79323"/>
+                  </a:lnTo>
+                  <a:lnTo>
+                    <a:pt x="0" y="79323"/>
+                  </a:lnTo>
+                  <a:lnTo>
+                    <a:pt x="0" y="0"/>
+                  </a:lnTo>
+                  <a:close/>
+                </a:path>
+              </a:pathLst>
+            </a:custGeom>
+            <a:ln w="0" cap="flat">
+              <a:miter lim="127000"/>
+            </a:ln>
+          </p:spPr>
+          <p:style>
+            <a:lnRef idx="0">
+              <a:srgbClr val="000000"/>
+            </a:lnRef>
+            <a:fillRef idx="1">
+              <a:srgbClr val="000000"/>
+            </a:fillRef>
+            <a:effectRef idx="0">
+              <a:scrgbClr r="0" g="0" b="0"/>
+            </a:effectRef>
+            <a:fontRef idx="none"/>
+          </p:style>
+          <p:txBody>
+            <a:bodyPr/>
+            <a:lstStyle/>
+            <a:p>
+              <a:endParaRPr lang="fr-FR"/>
+            </a:p>
+          </p:txBody>
+        </p:sp>
+        <p:sp>
+          <p:nvSpPr>
+            <p:cNvPr id="14" name="Shape 19"/>
+            <p:cNvSpPr/>
+            <p:nvPr/>
+          </p:nvSpPr>
+          <p:spPr>
+            <a:xfrm>
+              <a:off x="544146" y="534781"/>
+              <a:ext cx="67008" cy="79335"/>
+            </a:xfrm>
+            <a:custGeom>
+              <a:avLst/>
+              <a:gdLst/>
+              <a:ahLst/>
+              <a:cxnLst/>
+              <a:rect l="0" t="0" r="0" b="0"/>
+              <a:pathLst>
+                <a:path w="67008" h="79335">
+                  <a:moveTo>
+                    <a:pt x="0" y="0"/>
+                  </a:moveTo>
+                  <a:lnTo>
+                    <a:pt x="17624" y="0"/>
+                  </a:lnTo>
+                  <a:lnTo>
+                    <a:pt x="17624" y="31404"/>
+                  </a:lnTo>
+                  <a:lnTo>
+                    <a:pt x="49752" y="31404"/>
+                  </a:lnTo>
+                  <a:lnTo>
+                    <a:pt x="49752" y="0"/>
+                  </a:lnTo>
+                  <a:lnTo>
+                    <a:pt x="67008" y="0"/>
+                  </a:lnTo>
+                  <a:lnTo>
+                    <a:pt x="67008" y="79335"/>
+                  </a:lnTo>
+                  <a:lnTo>
+                    <a:pt x="49384" y="79335"/>
+                  </a:lnTo>
+                  <a:lnTo>
+                    <a:pt x="49384" y="47565"/>
+                  </a:lnTo>
+                  <a:lnTo>
+                    <a:pt x="17441" y="47565"/>
+                  </a:lnTo>
+                  <a:lnTo>
+                    <a:pt x="17441" y="79335"/>
+                  </a:lnTo>
+                  <a:lnTo>
+                    <a:pt x="0" y="79335"/>
+                  </a:lnTo>
+                  <a:lnTo>
+                    <a:pt x="0" y="0"/>
+                  </a:lnTo>
+                  <a:close/>
+                </a:path>
+              </a:pathLst>
+            </a:custGeom>
+            <a:ln w="0" cap="flat">
+              <a:miter lim="127000"/>
+            </a:ln>
+          </p:spPr>
+          <p:style>
+            <a:lnRef idx="0">
+              <a:srgbClr val="000000"/>
+            </a:lnRef>
+            <a:fillRef idx="1">
+              <a:srgbClr val="000000"/>
+            </a:fillRef>
+            <a:effectRef idx="0">
+              <a:scrgbClr r="0" g="0" b="0"/>
+            </a:effectRef>
+            <a:fontRef idx="none"/>
+          </p:style>
+          <p:txBody>
+            <a:bodyPr/>
+            <a:lstStyle/>
+            <a:p>
+              <a:endParaRPr lang="fr-FR"/>
+            </a:p>
+          </p:txBody>
+        </p:sp>
+        <p:sp>
+          <p:nvSpPr>
+            <p:cNvPr id="15" name="Shape 20"/>
+            <p:cNvSpPr/>
+            <p:nvPr/>
+          </p:nvSpPr>
+          <p:spPr>
+            <a:xfrm>
+              <a:off x="622904" y="534230"/>
+              <a:ext cx="41949" cy="79886"/>
+            </a:xfrm>
+            <a:custGeom>
+              <a:avLst/>
+              <a:gdLst/>
+              <a:ahLst/>
+              <a:cxnLst/>
+              <a:rect l="0" t="0" r="0" b="0"/>
+              <a:pathLst>
+                <a:path w="41949" h="79886">
+                  <a:moveTo>
+                    <a:pt x="34147" y="0"/>
+                  </a:moveTo>
+                  <a:lnTo>
+                    <a:pt x="41949" y="0"/>
+                  </a:lnTo>
+                  <a:lnTo>
+                    <a:pt x="41949" y="21157"/>
+                  </a:lnTo>
+                  <a:lnTo>
+                    <a:pt x="41858" y="20936"/>
+                  </a:lnTo>
+                  <a:lnTo>
+                    <a:pt x="31393" y="46646"/>
+                  </a:lnTo>
+                  <a:lnTo>
+                    <a:pt x="41949" y="46646"/>
+                  </a:lnTo>
+                  <a:lnTo>
+                    <a:pt x="41949" y="62073"/>
+                  </a:lnTo>
+                  <a:lnTo>
+                    <a:pt x="25335" y="62073"/>
+                  </a:lnTo>
+                  <a:lnTo>
+                    <a:pt x="17991" y="79886"/>
+                  </a:lnTo>
+                  <a:lnTo>
+                    <a:pt x="0" y="79886"/>
+                  </a:lnTo>
+                  <a:lnTo>
+                    <a:pt x="34147" y="0"/>
+                  </a:lnTo>
+                  <a:close/>
+                </a:path>
+              </a:pathLst>
+            </a:custGeom>
+            <a:ln w="0" cap="flat">
+              <a:miter lim="127000"/>
+            </a:ln>
+          </p:spPr>
+          <p:style>
+            <a:lnRef idx="0">
+              <a:srgbClr val="000000"/>
+            </a:lnRef>
+            <a:fillRef idx="1">
+              <a:srgbClr val="000000"/>
+            </a:fillRef>
+            <a:effectRef idx="0">
+              <a:scrgbClr r="0" g="0" b="0"/>
+            </a:effectRef>
+            <a:fontRef idx="none"/>
+          </p:style>
+          <p:txBody>
+            <a:bodyPr/>
+            <a:lstStyle/>
+            <a:p>
+              <a:endParaRPr lang="fr-FR"/>
+            </a:p>
+          </p:txBody>
+        </p:sp>
+        <p:sp>
+          <p:nvSpPr>
+            <p:cNvPr id="16" name="Shape 21"/>
+            <p:cNvSpPr/>
+            <p:nvPr/>
+          </p:nvSpPr>
+          <p:spPr>
+            <a:xfrm>
+              <a:off x="488520" y="533347"/>
+              <a:ext cx="41857" cy="82169"/>
+            </a:xfrm>
+            <a:custGeom>
+              <a:avLst/>
+              <a:gdLst/>
+              <a:ahLst/>
+              <a:cxnLst/>
+              <a:rect l="0" t="0" r="0" b="0"/>
+              <a:pathLst>
+                <a:path w="41857" h="82169">
+                  <a:moveTo>
+                    <a:pt x="0" y="0"/>
+                  </a:moveTo>
+                  <a:lnTo>
+                    <a:pt x="16686" y="3190"/>
+                  </a:lnTo>
+                  <a:cubicBezTo>
+                    <a:pt x="31944" y="9423"/>
+                    <a:pt x="41857" y="24023"/>
+                    <a:pt x="41857" y="41102"/>
+                  </a:cubicBezTo>
+                  <a:cubicBezTo>
+                    <a:pt x="41857" y="58043"/>
+                    <a:pt x="31944" y="72712"/>
+                    <a:pt x="16609" y="78988"/>
+                  </a:cubicBezTo>
+                  <a:lnTo>
+                    <a:pt x="0" y="82169"/>
+                  </a:lnTo>
+                  <a:lnTo>
+                    <a:pt x="0" y="66078"/>
+                  </a:lnTo>
+                  <a:lnTo>
+                    <a:pt x="0" y="66078"/>
+                  </a:lnTo>
+                  <a:cubicBezTo>
+                    <a:pt x="13953" y="66078"/>
+                    <a:pt x="23866" y="55059"/>
+                    <a:pt x="23866" y="41285"/>
+                  </a:cubicBezTo>
+                  <a:lnTo>
+                    <a:pt x="23866" y="41102"/>
+                  </a:lnTo>
+                  <a:cubicBezTo>
+                    <a:pt x="23866" y="34215"/>
+                    <a:pt x="21342" y="27971"/>
+                    <a:pt x="17073" y="23449"/>
+                  </a:cubicBezTo>
+                  <a:lnTo>
+                    <a:pt x="0" y="16203"/>
+                  </a:lnTo>
+                  <a:lnTo>
+                    <a:pt x="0" y="0"/>
+                  </a:lnTo>
+                  <a:close/>
+                </a:path>
+              </a:pathLst>
+            </a:custGeom>
+            <a:ln w="0" cap="flat">
+              <a:miter lim="127000"/>
+            </a:ln>
+          </p:spPr>
+          <p:style>
+            <a:lnRef idx="0">
+              <a:srgbClr val="000000"/>
+            </a:lnRef>
+            <a:fillRef idx="1">
+              <a:srgbClr val="000000"/>
+            </a:fillRef>
+            <a:effectRef idx="0">
+              <a:scrgbClr r="0" g="0" b="0"/>
+            </a:effectRef>
+            <a:fontRef idx="none"/>
+          </p:style>
+          <p:txBody>
+            <a:bodyPr/>
+            <a:lstStyle/>
+            <a:p>
+              <a:endParaRPr lang="fr-FR"/>
+            </a:p>
+          </p:txBody>
+        </p:sp>
+        <p:sp>
+          <p:nvSpPr>
+            <p:cNvPr id="17" name="Shape 22"/>
+            <p:cNvSpPr/>
+            <p:nvPr/>
+          </p:nvSpPr>
+          <p:spPr>
+            <a:xfrm>
+              <a:off x="488520" y="314588"/>
+              <a:ext cx="176333" cy="98802"/>
+            </a:xfrm>
+            <a:custGeom>
+              <a:avLst/>
+              <a:gdLst/>
+              <a:ahLst/>
+              <a:cxnLst/>
+              <a:rect l="0" t="0" r="0" b="0"/>
+              <a:pathLst>
+                <a:path w="176333" h="98802">
+                  <a:moveTo>
+                    <a:pt x="0" y="0"/>
+                  </a:moveTo>
+                  <a:lnTo>
+                    <a:pt x="122268" y="0"/>
+                  </a:lnTo>
+                  <a:lnTo>
+                    <a:pt x="176333" y="0"/>
+                  </a:lnTo>
+                  <a:lnTo>
+                    <a:pt x="176333" y="98802"/>
+                  </a:lnTo>
+                  <a:lnTo>
+                    <a:pt x="0" y="98802"/>
+                  </a:lnTo>
+                  <a:lnTo>
+                    <a:pt x="0" y="0"/>
+                  </a:lnTo>
+                  <a:close/>
+                </a:path>
+              </a:pathLst>
+            </a:custGeom>
+            <a:ln w="0" cap="flat">
+              <a:miter lim="127000"/>
+            </a:ln>
+          </p:spPr>
+          <p:style>
+            <a:lnRef idx="0">
+              <a:srgbClr val="000000"/>
+            </a:lnRef>
+            <a:fillRef idx="1">
+              <a:srgbClr val="000000"/>
+            </a:fillRef>
+            <a:effectRef idx="0">
+              <a:scrgbClr r="0" g="0" b="0"/>
+            </a:effectRef>
+            <a:fontRef idx="none"/>
+          </p:style>
+          <p:txBody>
+            <a:bodyPr/>
+            <a:lstStyle/>
+            <a:p>
+              <a:endParaRPr lang="fr-FR"/>
+            </a:p>
+          </p:txBody>
+        </p:sp>
+        <p:sp>
+          <p:nvSpPr>
+            <p:cNvPr id="18" name="Shape 23"/>
+            <p:cNvSpPr/>
+            <p:nvPr/>
+          </p:nvSpPr>
+          <p:spPr>
+            <a:xfrm>
+              <a:off x="488520" y="89773"/>
+              <a:ext cx="176333" cy="224631"/>
+            </a:xfrm>
+            <a:custGeom>
+              <a:avLst/>
+              <a:gdLst/>
+              <a:ahLst/>
+              <a:cxnLst/>
+              <a:rect l="0" t="0" r="0" b="0"/>
+              <a:pathLst>
+                <a:path w="176333" h="224631">
+                  <a:moveTo>
+                    <a:pt x="0" y="0"/>
+                  </a:moveTo>
+                  <a:lnTo>
+                    <a:pt x="122268" y="104893"/>
+                  </a:lnTo>
+                  <a:lnTo>
+                    <a:pt x="176333" y="58510"/>
+                  </a:lnTo>
+                  <a:lnTo>
+                    <a:pt x="176333" y="178292"/>
+                  </a:lnTo>
+                  <a:lnTo>
+                    <a:pt x="122268" y="224631"/>
+                  </a:lnTo>
+                  <a:lnTo>
+                    <a:pt x="0" y="119837"/>
+                  </a:lnTo>
+                  <a:lnTo>
+                    <a:pt x="0" y="0"/>
+                  </a:lnTo>
+                  <a:close/>
+                </a:path>
+              </a:pathLst>
+            </a:custGeom>
+            <a:ln w="0" cap="flat">
+              <a:miter lim="127000"/>
+            </a:ln>
+          </p:spPr>
+          <p:style>
+            <a:lnRef idx="0">
+              <a:srgbClr val="000000"/>
+            </a:lnRef>
+            <a:fillRef idx="1">
+              <a:srgbClr val="000000"/>
+            </a:fillRef>
+            <a:effectRef idx="0">
+              <a:scrgbClr r="0" g="0" b="0"/>
+            </a:effectRef>
+            <a:fontRef idx="none"/>
+          </p:style>
+          <p:txBody>
+            <a:bodyPr/>
+            <a:lstStyle/>
+            <a:p>
+              <a:endParaRPr lang="fr-FR"/>
+            </a:p>
+          </p:txBody>
+        </p:sp>
+        <p:sp>
+          <p:nvSpPr>
+            <p:cNvPr id="19" name="Shape 24"/>
+            <p:cNvSpPr/>
+            <p:nvPr/>
+          </p:nvSpPr>
+          <p:spPr>
+            <a:xfrm>
+              <a:off x="777666" y="653785"/>
+              <a:ext cx="32678" cy="79323"/>
+            </a:xfrm>
+            <a:custGeom>
+              <a:avLst/>
+              <a:gdLst/>
+              <a:ahLst/>
+              <a:cxnLst/>
+              <a:rect l="0" t="0" r="0" b="0"/>
+              <a:pathLst>
+                <a:path w="32678" h="79323">
+                  <a:moveTo>
+                    <a:pt x="0" y="0"/>
+                  </a:moveTo>
+                  <a:lnTo>
+                    <a:pt x="32678" y="0"/>
+                  </a:lnTo>
+                  <a:lnTo>
+                    <a:pt x="32678" y="15965"/>
+                  </a:lnTo>
+                  <a:lnTo>
+                    <a:pt x="17073" y="15965"/>
+                  </a:lnTo>
+                  <a:lnTo>
+                    <a:pt x="17073" y="38737"/>
+                  </a:lnTo>
+                  <a:lnTo>
+                    <a:pt x="32678" y="38737"/>
+                  </a:lnTo>
+                  <a:lnTo>
+                    <a:pt x="32678" y="56294"/>
+                  </a:lnTo>
+                  <a:lnTo>
+                    <a:pt x="31026" y="53796"/>
+                  </a:lnTo>
+                  <a:lnTo>
+                    <a:pt x="17441" y="53796"/>
+                  </a:lnTo>
+                  <a:lnTo>
+                    <a:pt x="17441" y="79323"/>
+                  </a:lnTo>
+                  <a:lnTo>
+                    <a:pt x="0" y="79323"/>
+                  </a:lnTo>
+                  <a:lnTo>
+                    <a:pt x="0" y="0"/>
+                  </a:lnTo>
+                  <a:close/>
+                </a:path>
+              </a:pathLst>
+            </a:custGeom>
+            <a:ln w="0" cap="flat">
+              <a:miter lim="127000"/>
+            </a:ln>
+          </p:spPr>
+          <p:style>
+            <a:lnRef idx="0">
+              <a:srgbClr val="000000"/>
+            </a:lnRef>
+            <a:fillRef idx="1">
+              <a:srgbClr val="000000"/>
+            </a:fillRef>
+            <a:effectRef idx="0">
+              <a:scrgbClr r="0" g="0" b="0"/>
+            </a:effectRef>
+            <a:fontRef idx="none"/>
+          </p:style>
+          <p:txBody>
+            <a:bodyPr/>
+            <a:lstStyle/>
+            <a:p>
+              <a:endParaRPr lang="fr-FR"/>
+            </a:p>
+          </p:txBody>
+        </p:sp>
+        <p:sp>
+          <p:nvSpPr>
+            <p:cNvPr id="20" name="Shape 25"/>
+            <p:cNvSpPr/>
+            <p:nvPr/>
+          </p:nvSpPr>
+          <p:spPr>
+            <a:xfrm>
+              <a:off x="696705" y="653785"/>
+              <a:ext cx="60400" cy="79323"/>
+            </a:xfrm>
+            <a:custGeom>
+              <a:avLst/>
+              <a:gdLst/>
+              <a:ahLst/>
+              <a:cxnLst/>
+              <a:rect l="0" t="0" r="0" b="0"/>
+              <a:pathLst>
+                <a:path w="60400" h="79323">
+                  <a:moveTo>
+                    <a:pt x="0" y="0"/>
+                  </a:moveTo>
+                  <a:lnTo>
+                    <a:pt x="59849" y="0"/>
+                  </a:lnTo>
+                  <a:lnTo>
+                    <a:pt x="59849" y="15414"/>
+                  </a:lnTo>
+                  <a:lnTo>
+                    <a:pt x="17257" y="15414"/>
+                  </a:lnTo>
+                  <a:lnTo>
+                    <a:pt x="17257" y="31759"/>
+                  </a:lnTo>
+                  <a:lnTo>
+                    <a:pt x="54708" y="31759"/>
+                  </a:lnTo>
+                  <a:lnTo>
+                    <a:pt x="54708" y="47185"/>
+                  </a:lnTo>
+                  <a:lnTo>
+                    <a:pt x="17257" y="47185"/>
+                  </a:lnTo>
+                  <a:lnTo>
+                    <a:pt x="17257" y="63897"/>
+                  </a:lnTo>
+                  <a:lnTo>
+                    <a:pt x="60400" y="63897"/>
+                  </a:lnTo>
+                  <a:lnTo>
+                    <a:pt x="60400" y="79323"/>
+                  </a:lnTo>
+                  <a:lnTo>
+                    <a:pt x="0" y="79323"/>
+                  </a:lnTo>
+                  <a:lnTo>
+                    <a:pt x="0" y="0"/>
+                  </a:lnTo>
+                  <a:close/>
+                </a:path>
+              </a:pathLst>
+            </a:custGeom>
+            <a:ln w="0" cap="flat">
+              <a:miter lim="127000"/>
+            </a:ln>
+          </p:spPr>
+          <p:style>
+            <a:lnRef idx="0">
+              <a:srgbClr val="000000"/>
+            </a:lnRef>
+            <a:fillRef idx="1">
+              <a:srgbClr val="000000"/>
+            </a:fillRef>
+            <a:effectRef idx="0">
+              <a:scrgbClr r="0" g="0" b="0"/>
+            </a:effectRef>
+            <a:fontRef idx="none"/>
+          </p:style>
+          <p:txBody>
+            <a:bodyPr/>
+            <a:lstStyle/>
+            <a:p>
+              <a:endParaRPr lang="fr-FR"/>
+            </a:p>
+          </p:txBody>
+        </p:sp>
+        <p:sp>
+          <p:nvSpPr>
+            <p:cNvPr id="21" name="Shape 26"/>
+            <p:cNvSpPr/>
+            <p:nvPr/>
+          </p:nvSpPr>
+          <p:spPr>
+            <a:xfrm>
+              <a:off x="664853" y="653785"/>
+              <a:ext cx="16614" cy="41306"/>
+            </a:xfrm>
+            <a:custGeom>
+              <a:avLst/>
+              <a:gdLst/>
+              <a:ahLst/>
+              <a:cxnLst/>
+              <a:rect l="0" t="0" r="0" b="0"/>
+              <a:pathLst>
+                <a:path w="16614" h="41306">
+                  <a:moveTo>
+                    <a:pt x="0" y="0"/>
+                  </a:moveTo>
+                  <a:lnTo>
+                    <a:pt x="16614" y="0"/>
+                  </a:lnTo>
+                  <a:lnTo>
+                    <a:pt x="0" y="41306"/>
+                  </a:lnTo>
+                  <a:lnTo>
+                    <a:pt x="0" y="0"/>
+                  </a:lnTo>
+                  <a:close/>
+                </a:path>
+              </a:pathLst>
+            </a:custGeom>
+            <a:ln w="0" cap="flat">
+              <a:miter lim="127000"/>
+            </a:ln>
+          </p:spPr>
+          <p:style>
+            <a:lnRef idx="0">
+              <a:srgbClr val="000000"/>
+            </a:lnRef>
+            <a:fillRef idx="1">
+              <a:srgbClr val="000000"/>
+            </a:fillRef>
+            <a:effectRef idx="0">
+              <a:scrgbClr r="0" g="0" b="0"/>
+            </a:effectRef>
+            <a:fontRef idx="none"/>
+          </p:style>
+          <p:txBody>
+            <a:bodyPr/>
+            <a:lstStyle/>
+            <a:p>
+              <a:endParaRPr lang="fr-FR"/>
+            </a:p>
+          </p:txBody>
+        </p:sp>
+        <p:sp>
+          <p:nvSpPr>
+            <p:cNvPr id="22" name="Shape 1680"/>
+            <p:cNvSpPr/>
+            <p:nvPr/>
+          </p:nvSpPr>
+          <p:spPr>
+            <a:xfrm>
+              <a:off x="809426" y="534781"/>
+              <a:ext cx="9144" cy="79335"/>
+            </a:xfrm>
+            <a:custGeom>
+              <a:avLst/>
+              <a:gdLst/>
+              <a:ahLst/>
+              <a:cxnLst/>
+              <a:rect l="0" t="0" r="0" b="0"/>
+              <a:pathLst>
+                <a:path w="9144" h="79335">
+                  <a:moveTo>
+                    <a:pt x="0" y="0"/>
+                  </a:moveTo>
+                  <a:lnTo>
+                    <a:pt x="9144" y="0"/>
+                  </a:lnTo>
+                  <a:lnTo>
+                    <a:pt x="9144" y="79335"/>
+                  </a:lnTo>
+                  <a:lnTo>
+                    <a:pt x="0" y="79335"/>
+                  </a:lnTo>
+                  <a:lnTo>
+                    <a:pt x="0" y="0"/>
+                  </a:lnTo>
+                </a:path>
+              </a:pathLst>
+            </a:custGeom>
+            <a:ln w="0" cap="flat">
+              <a:miter lim="127000"/>
+            </a:ln>
+          </p:spPr>
+          <p:style>
+            <a:lnRef idx="0">
+              <a:srgbClr val="000000"/>
+            </a:lnRef>
+            <a:fillRef idx="1">
+              <a:srgbClr val="000000"/>
+            </a:fillRef>
+            <a:effectRef idx="0">
+              <a:scrgbClr r="0" g="0" b="0"/>
+            </a:effectRef>
+            <a:fontRef idx="none"/>
+          </p:style>
+          <p:txBody>
+            <a:bodyPr/>
+            <a:lstStyle/>
+            <a:p>
+              <a:endParaRPr lang="fr-FR"/>
+            </a:p>
+          </p:txBody>
+        </p:sp>
+        <p:sp>
+          <p:nvSpPr>
+            <p:cNvPr id="23" name="Shape 28"/>
+            <p:cNvSpPr/>
+            <p:nvPr/>
+          </p:nvSpPr>
+          <p:spPr>
+            <a:xfrm>
+              <a:off x="718919" y="534781"/>
+              <a:ext cx="70497" cy="79335"/>
+            </a:xfrm>
+            <a:custGeom>
+              <a:avLst/>
+              <a:gdLst/>
+              <a:ahLst/>
+              <a:cxnLst/>
+              <a:rect l="0" t="0" r="0" b="0"/>
+              <a:pathLst>
+                <a:path w="70497" h="79335">
+                  <a:moveTo>
+                    <a:pt x="0" y="0"/>
+                  </a:moveTo>
+                  <a:lnTo>
+                    <a:pt x="16156" y="0"/>
+                  </a:lnTo>
+                  <a:lnTo>
+                    <a:pt x="53423" y="49034"/>
+                  </a:lnTo>
+                  <a:lnTo>
+                    <a:pt x="53423" y="0"/>
+                  </a:lnTo>
+                  <a:lnTo>
+                    <a:pt x="70497" y="0"/>
+                  </a:lnTo>
+                  <a:lnTo>
+                    <a:pt x="70497" y="79335"/>
+                  </a:lnTo>
+                  <a:lnTo>
+                    <a:pt x="55626" y="79335"/>
+                  </a:lnTo>
+                  <a:lnTo>
+                    <a:pt x="17073" y="28833"/>
+                  </a:lnTo>
+                  <a:lnTo>
+                    <a:pt x="17073" y="79335"/>
+                  </a:lnTo>
+                  <a:lnTo>
+                    <a:pt x="0" y="79335"/>
+                  </a:lnTo>
+                  <a:lnTo>
+                    <a:pt x="0" y="0"/>
+                  </a:lnTo>
+                  <a:close/>
+                </a:path>
+              </a:pathLst>
+            </a:custGeom>
+            <a:ln w="0" cap="flat">
+              <a:miter lim="127000"/>
+            </a:ln>
+          </p:spPr>
+          <p:style>
+            <a:lnRef idx="0">
+              <a:srgbClr val="000000"/>
+            </a:lnRef>
+            <a:fillRef idx="1">
+              <a:srgbClr val="000000"/>
+            </a:fillRef>
+            <a:effectRef idx="0">
+              <a:scrgbClr r="0" g="0" b="0"/>
+            </a:effectRef>
+            <a:fontRef idx="none"/>
+          </p:style>
+          <p:txBody>
+            <a:bodyPr/>
+            <a:lstStyle/>
+            <a:p>
+              <a:endParaRPr lang="fr-FR"/>
+            </a:p>
+          </p:txBody>
+        </p:sp>
+        <p:sp>
+          <p:nvSpPr>
+            <p:cNvPr id="24" name="Shape 29"/>
+            <p:cNvSpPr/>
+            <p:nvPr/>
+          </p:nvSpPr>
+          <p:spPr>
+            <a:xfrm>
+              <a:off x="664853" y="534230"/>
+              <a:ext cx="42500" cy="79886"/>
+            </a:xfrm>
+            <a:custGeom>
+              <a:avLst/>
+              <a:gdLst/>
+              <a:ahLst/>
+              <a:cxnLst/>
+              <a:rect l="0" t="0" r="0" b="0"/>
+              <a:pathLst>
+                <a:path w="42500" h="79886">
+                  <a:moveTo>
+                    <a:pt x="0" y="0"/>
+                  </a:moveTo>
+                  <a:lnTo>
+                    <a:pt x="8353" y="0"/>
+                  </a:lnTo>
+                  <a:lnTo>
+                    <a:pt x="42500" y="79886"/>
+                  </a:lnTo>
+                  <a:lnTo>
+                    <a:pt x="24141" y="79886"/>
+                  </a:lnTo>
+                  <a:lnTo>
+                    <a:pt x="16798" y="62073"/>
+                  </a:lnTo>
+                  <a:lnTo>
+                    <a:pt x="0" y="62073"/>
+                  </a:lnTo>
+                  <a:lnTo>
+                    <a:pt x="0" y="46646"/>
+                  </a:lnTo>
+                  <a:lnTo>
+                    <a:pt x="10556" y="46646"/>
+                  </a:lnTo>
+                  <a:lnTo>
+                    <a:pt x="0" y="21157"/>
+                  </a:lnTo>
+                  <a:lnTo>
+                    <a:pt x="0" y="0"/>
+                  </a:lnTo>
+                  <a:close/>
+                </a:path>
+              </a:pathLst>
+            </a:custGeom>
+            <a:ln w="0" cap="flat">
+              <a:miter lim="127000"/>
+            </a:ln>
+          </p:spPr>
+          <p:style>
+            <a:lnRef idx="0">
+              <a:srgbClr val="000000"/>
+            </a:lnRef>
+            <a:fillRef idx="1">
+              <a:srgbClr val="000000"/>
+            </a:fillRef>
+            <a:effectRef idx="0">
+              <a:scrgbClr r="0" g="0" b="0"/>
+            </a:effectRef>
+            <a:fontRef idx="none"/>
+          </p:style>
+          <p:txBody>
+            <a:bodyPr/>
+            <a:lstStyle/>
+            <a:p>
+              <a:endParaRPr lang="fr-FR"/>
+            </a:p>
+          </p:txBody>
+        </p:sp>
+        <p:sp>
+          <p:nvSpPr>
+            <p:cNvPr id="25" name="Shape 1681"/>
+            <p:cNvSpPr/>
+            <p:nvPr/>
+          </p:nvSpPr>
+          <p:spPr>
+            <a:xfrm>
+              <a:off x="664853" y="314588"/>
+              <a:ext cx="145491" cy="98802"/>
+            </a:xfrm>
+            <a:custGeom>
+              <a:avLst/>
+              <a:gdLst/>
+              <a:ahLst/>
+              <a:cxnLst/>
+              <a:rect l="0" t="0" r="0" b="0"/>
+              <a:pathLst>
+                <a:path w="145491" h="98802">
+                  <a:moveTo>
+                    <a:pt x="0" y="0"/>
+                  </a:moveTo>
+                  <a:lnTo>
+                    <a:pt x="145491" y="0"/>
+                  </a:lnTo>
+                  <a:lnTo>
+                    <a:pt x="145491" y="98802"/>
+                  </a:lnTo>
+                  <a:lnTo>
+                    <a:pt x="0" y="98802"/>
+                  </a:lnTo>
+                  <a:lnTo>
+                    <a:pt x="0" y="0"/>
+                  </a:lnTo>
+                </a:path>
+              </a:pathLst>
+            </a:custGeom>
+            <a:ln w="0" cap="flat">
+              <a:miter lim="127000"/>
+            </a:ln>
+          </p:spPr>
+          <p:style>
+            <a:lnRef idx="0">
+              <a:srgbClr val="000000"/>
+            </a:lnRef>
+            <a:fillRef idx="1">
+              <a:srgbClr val="000000"/>
+            </a:fillRef>
+            <a:effectRef idx="0">
+              <a:scrgbClr r="0" g="0" b="0"/>
+            </a:effectRef>
+            <a:fontRef idx="none"/>
+          </p:style>
+          <p:txBody>
+            <a:bodyPr/>
+            <a:lstStyle/>
+            <a:p>
+              <a:endParaRPr lang="fr-FR"/>
+            </a:p>
+          </p:txBody>
+        </p:sp>
+        <p:sp>
+          <p:nvSpPr>
+            <p:cNvPr id="26" name="Shape 31"/>
+            <p:cNvSpPr/>
+            <p:nvPr/>
+          </p:nvSpPr>
+          <p:spPr>
+            <a:xfrm>
+              <a:off x="664853" y="23467"/>
+              <a:ext cx="145491" cy="244598"/>
+            </a:xfrm>
+            <a:custGeom>
+              <a:avLst/>
+              <a:gdLst/>
+              <a:ahLst/>
+              <a:cxnLst/>
+              <a:rect l="0" t="0" r="0" b="0"/>
+              <a:pathLst>
+                <a:path w="145491" h="244598">
+                  <a:moveTo>
+                    <a:pt x="145491" y="0"/>
+                  </a:moveTo>
+                  <a:lnTo>
+                    <a:pt x="145491" y="119900"/>
+                  </a:lnTo>
+                  <a:lnTo>
+                    <a:pt x="0" y="244598"/>
+                  </a:lnTo>
+                  <a:lnTo>
+                    <a:pt x="0" y="124816"/>
+                  </a:lnTo>
+                  <a:lnTo>
+                    <a:pt x="145491" y="0"/>
+                  </a:lnTo>
+                  <a:close/>
+                </a:path>
+              </a:pathLst>
+            </a:custGeom>
+            <a:ln w="0" cap="flat">
+              <a:miter lim="127000"/>
+            </a:ln>
+          </p:spPr>
+          <p:style>
+            <a:lnRef idx="0">
+              <a:srgbClr val="000000"/>
+            </a:lnRef>
+            <a:fillRef idx="1">
+              <a:srgbClr val="000000"/>
+            </a:fillRef>
+            <a:effectRef idx="0">
+              <a:scrgbClr r="0" g="0" b="0"/>
+            </a:effectRef>
+            <a:fontRef idx="none"/>
+          </p:style>
+          <p:txBody>
+            <a:bodyPr/>
+            <a:lstStyle/>
+            <a:p>
+              <a:endParaRPr lang="fr-FR"/>
+            </a:p>
+          </p:txBody>
+        </p:sp>
+        <p:sp>
+          <p:nvSpPr>
+            <p:cNvPr id="27" name="Shape 1682"/>
+            <p:cNvSpPr/>
+            <p:nvPr/>
+          </p:nvSpPr>
+          <p:spPr>
+            <a:xfrm>
+              <a:off x="1254436" y="653785"/>
+              <a:ext cx="17441" cy="79323"/>
+            </a:xfrm>
+            <a:custGeom>
+              <a:avLst/>
+              <a:gdLst/>
+              <a:ahLst/>
+              <a:cxnLst/>
+              <a:rect l="0" t="0" r="0" b="0"/>
+              <a:pathLst>
+                <a:path w="17441" h="79323">
+                  <a:moveTo>
+                    <a:pt x="0" y="0"/>
+                  </a:moveTo>
+                  <a:lnTo>
+                    <a:pt x="17441" y="0"/>
+                  </a:lnTo>
+                  <a:lnTo>
+                    <a:pt x="17441" y="79323"/>
+                  </a:lnTo>
+                  <a:lnTo>
+                    <a:pt x="0" y="79323"/>
+                  </a:lnTo>
+                  <a:lnTo>
+                    <a:pt x="0" y="0"/>
+                  </a:lnTo>
+                </a:path>
+              </a:pathLst>
+            </a:custGeom>
+            <a:ln w="0" cap="flat">
+              <a:miter lim="127000"/>
+            </a:ln>
+          </p:spPr>
+          <p:style>
+            <a:lnRef idx="0">
+              <a:srgbClr val="000000"/>
+            </a:lnRef>
+            <a:fillRef idx="1">
+              <a:srgbClr val="000000"/>
+            </a:fillRef>
+            <a:effectRef idx="0">
+              <a:scrgbClr r="0" g="0" b="0"/>
+            </a:effectRef>
+            <a:fontRef idx="none"/>
+          </p:style>
+          <p:txBody>
+            <a:bodyPr/>
+            <a:lstStyle/>
+            <a:p>
+              <a:endParaRPr lang="fr-FR"/>
+            </a:p>
+          </p:txBody>
+        </p:sp>
+        <p:sp>
+          <p:nvSpPr>
+            <p:cNvPr id="28" name="Shape 33"/>
+            <p:cNvSpPr/>
+            <p:nvPr/>
+          </p:nvSpPr>
+          <p:spPr>
+            <a:xfrm>
+              <a:off x="1181553" y="653785"/>
+              <a:ext cx="57095" cy="79323"/>
+            </a:xfrm>
+            <a:custGeom>
+              <a:avLst/>
+              <a:gdLst/>
+              <a:ahLst/>
+              <a:cxnLst/>
+              <a:rect l="0" t="0" r="0" b="0"/>
+              <a:pathLst>
+                <a:path w="57095" h="79323">
+                  <a:moveTo>
+                    <a:pt x="0" y="0"/>
+                  </a:moveTo>
+                  <a:lnTo>
+                    <a:pt x="17441" y="0"/>
+                  </a:lnTo>
+                  <a:lnTo>
+                    <a:pt x="17441" y="63346"/>
+                  </a:lnTo>
+                  <a:lnTo>
+                    <a:pt x="57095" y="63346"/>
+                  </a:lnTo>
+                  <a:lnTo>
+                    <a:pt x="57095" y="79323"/>
+                  </a:lnTo>
+                  <a:lnTo>
+                    <a:pt x="0" y="79323"/>
+                  </a:lnTo>
+                  <a:lnTo>
+                    <a:pt x="0" y="0"/>
+                  </a:lnTo>
+                  <a:close/>
+                </a:path>
+              </a:pathLst>
+            </a:custGeom>
+            <a:ln w="0" cap="flat">
+              <a:miter lim="127000"/>
+            </a:ln>
+          </p:spPr>
+          <p:style>
+            <a:lnRef idx="0">
+              <a:srgbClr val="000000"/>
+            </a:lnRef>
+            <a:fillRef idx="1">
+              <a:srgbClr val="000000"/>
+            </a:fillRef>
+            <a:effectRef idx="0">
+              <a:scrgbClr r="0" g="0" b="0"/>
+            </a:effectRef>
+            <a:fontRef idx="none"/>
+          </p:style>
+          <p:txBody>
+            <a:bodyPr/>
+            <a:lstStyle/>
+            <a:p>
+              <a:endParaRPr lang="fr-FR"/>
+            </a:p>
+          </p:txBody>
+        </p:sp>
+        <p:sp>
+          <p:nvSpPr>
+            <p:cNvPr id="29" name="Shape 34"/>
+            <p:cNvSpPr/>
+            <p:nvPr/>
+          </p:nvSpPr>
+          <p:spPr>
+            <a:xfrm>
+              <a:off x="1050106" y="653785"/>
+              <a:ext cx="78574" cy="79323"/>
+            </a:xfrm>
+            <a:custGeom>
+              <a:avLst/>
+              <a:gdLst/>
+              <a:ahLst/>
+              <a:cxnLst/>
+              <a:rect l="0" t="0" r="0" b="0"/>
+              <a:pathLst>
+                <a:path w="78574" h="79323">
+                  <a:moveTo>
+                    <a:pt x="0" y="0"/>
+                  </a:moveTo>
+                  <a:lnTo>
+                    <a:pt x="20378" y="0"/>
+                  </a:lnTo>
+                  <a:lnTo>
+                    <a:pt x="39103" y="31759"/>
+                  </a:lnTo>
+                  <a:lnTo>
+                    <a:pt x="58747" y="0"/>
+                  </a:lnTo>
+                  <a:lnTo>
+                    <a:pt x="78574" y="0"/>
+                  </a:lnTo>
+                  <a:lnTo>
+                    <a:pt x="47916" y="47736"/>
+                  </a:lnTo>
+                  <a:lnTo>
+                    <a:pt x="47916" y="79323"/>
+                  </a:lnTo>
+                  <a:lnTo>
+                    <a:pt x="30659" y="79323"/>
+                  </a:lnTo>
+                  <a:lnTo>
+                    <a:pt x="30659" y="47920"/>
+                  </a:lnTo>
+                  <a:lnTo>
+                    <a:pt x="0" y="0"/>
+                  </a:lnTo>
+                  <a:close/>
+                </a:path>
+              </a:pathLst>
+            </a:custGeom>
+            <a:ln w="0" cap="flat">
+              <a:miter lim="127000"/>
+            </a:ln>
+          </p:spPr>
+          <p:style>
+            <a:lnRef idx="0">
+              <a:srgbClr val="000000"/>
+            </a:lnRef>
+            <a:fillRef idx="1">
+              <a:srgbClr val="000000"/>
+            </a:fillRef>
+            <a:effectRef idx="0">
+              <a:scrgbClr r="0" g="0" b="0"/>
+            </a:effectRef>
+            <a:fontRef idx="none"/>
+          </p:style>
+          <p:txBody>
+            <a:bodyPr/>
+            <a:lstStyle/>
+            <a:p>
+              <a:endParaRPr lang="fr-FR"/>
+            </a:p>
+          </p:txBody>
+        </p:sp>
+        <p:sp>
+          <p:nvSpPr>
+            <p:cNvPr id="30" name="Shape 35"/>
+            <p:cNvSpPr/>
+            <p:nvPr/>
+          </p:nvSpPr>
+          <p:spPr>
+            <a:xfrm>
+              <a:off x="972449" y="653785"/>
+              <a:ext cx="65907" cy="79323"/>
+            </a:xfrm>
+            <a:custGeom>
+              <a:avLst/>
+              <a:gdLst/>
+              <a:ahLst/>
+              <a:cxnLst/>
+              <a:rect l="0" t="0" r="0" b="0"/>
+              <a:pathLst>
+                <a:path w="65907" h="79323">
+                  <a:moveTo>
+                    <a:pt x="0" y="0"/>
+                  </a:moveTo>
+                  <a:lnTo>
+                    <a:pt x="65907" y="0"/>
+                  </a:lnTo>
+                  <a:lnTo>
+                    <a:pt x="65907" y="16149"/>
+                  </a:lnTo>
+                  <a:lnTo>
+                    <a:pt x="41674" y="16149"/>
+                  </a:lnTo>
+                  <a:lnTo>
+                    <a:pt x="41674" y="79323"/>
+                  </a:lnTo>
+                  <a:lnTo>
+                    <a:pt x="24233" y="79323"/>
+                  </a:lnTo>
+                  <a:lnTo>
+                    <a:pt x="24233" y="16149"/>
+                  </a:lnTo>
+                  <a:lnTo>
+                    <a:pt x="0" y="16149"/>
+                  </a:lnTo>
+                  <a:lnTo>
+                    <a:pt x="0" y="0"/>
+                  </a:lnTo>
+                  <a:close/>
+                </a:path>
+              </a:pathLst>
+            </a:custGeom>
+            <a:ln w="0" cap="flat">
+              <a:miter lim="127000"/>
+            </a:ln>
+          </p:spPr>
+          <p:style>
+            <a:lnRef idx="0">
+              <a:srgbClr val="000000"/>
+            </a:lnRef>
+            <a:fillRef idx="1">
+              <a:srgbClr val="000000"/>
+            </a:fillRef>
+            <a:effectRef idx="0">
+              <a:scrgbClr r="0" g="0" b="0"/>
+            </a:effectRef>
+            <a:fontRef idx="none"/>
+          </p:style>
+          <p:txBody>
+            <a:bodyPr/>
+            <a:lstStyle/>
+            <a:p>
+              <a:endParaRPr lang="fr-FR"/>
+            </a:p>
+          </p:txBody>
+        </p:sp>
+        <p:sp>
+          <p:nvSpPr>
+            <p:cNvPr id="31" name="Shape 1683"/>
+            <p:cNvSpPr/>
+            <p:nvPr/>
+          </p:nvSpPr>
+          <p:spPr>
+            <a:xfrm>
+              <a:off x="939221" y="653785"/>
+              <a:ext cx="17441" cy="79323"/>
+            </a:xfrm>
+            <a:custGeom>
+              <a:avLst/>
+              <a:gdLst/>
+              <a:ahLst/>
+              <a:cxnLst/>
+              <a:rect l="0" t="0" r="0" b="0"/>
+              <a:pathLst>
+                <a:path w="17441" h="79323">
+                  <a:moveTo>
+                    <a:pt x="0" y="0"/>
+                  </a:moveTo>
+                  <a:lnTo>
+                    <a:pt x="17441" y="0"/>
+                  </a:lnTo>
+                  <a:lnTo>
+                    <a:pt x="17441" y="79323"/>
+                  </a:lnTo>
+                  <a:lnTo>
+                    <a:pt x="0" y="79323"/>
+                  </a:lnTo>
+                  <a:lnTo>
+                    <a:pt x="0" y="0"/>
+                  </a:lnTo>
+                </a:path>
+              </a:pathLst>
+            </a:custGeom>
+            <a:ln w="0" cap="flat">
+              <a:miter lim="127000"/>
+            </a:ln>
+          </p:spPr>
+          <p:style>
+            <a:lnRef idx="0">
+              <a:srgbClr val="000000"/>
+            </a:lnRef>
+            <a:fillRef idx="1">
+              <a:srgbClr val="000000"/>
+            </a:fillRef>
+            <a:effectRef idx="0">
+              <a:scrgbClr r="0" g="0" b="0"/>
+            </a:effectRef>
+            <a:fontRef idx="none"/>
+          </p:style>
+          <p:txBody>
+            <a:bodyPr/>
+            <a:lstStyle/>
+            <a:p>
+              <a:endParaRPr lang="fr-FR"/>
+            </a:p>
+          </p:txBody>
+        </p:sp>
+        <p:sp>
+          <p:nvSpPr>
+            <p:cNvPr id="32" name="Shape 37"/>
+            <p:cNvSpPr/>
+            <p:nvPr/>
+          </p:nvSpPr>
+          <p:spPr>
+            <a:xfrm>
+              <a:off x="810344" y="653785"/>
+              <a:ext cx="35616" cy="79323"/>
+            </a:xfrm>
+            <a:custGeom>
+              <a:avLst/>
+              <a:gdLst/>
+              <a:ahLst/>
+              <a:cxnLst/>
+              <a:rect l="0" t="0" r="0" b="0"/>
+              <a:pathLst>
+                <a:path w="35616" h="79323">
+                  <a:moveTo>
+                    <a:pt x="0" y="0"/>
+                  </a:moveTo>
+                  <a:lnTo>
+                    <a:pt x="3488" y="0"/>
+                  </a:lnTo>
+                  <a:cubicBezTo>
+                    <a:pt x="22214" y="0"/>
+                    <a:pt x="33412" y="9721"/>
+                    <a:pt x="33412" y="26433"/>
+                  </a:cubicBezTo>
+                  <a:cubicBezTo>
+                    <a:pt x="33412" y="39105"/>
+                    <a:pt x="26253" y="47185"/>
+                    <a:pt x="16339" y="50858"/>
+                  </a:cubicBezTo>
+                  <a:lnTo>
+                    <a:pt x="35616" y="79323"/>
+                  </a:lnTo>
+                  <a:lnTo>
+                    <a:pt x="15238" y="79323"/>
+                  </a:lnTo>
+                  <a:lnTo>
+                    <a:pt x="0" y="56294"/>
+                  </a:lnTo>
+                  <a:lnTo>
+                    <a:pt x="0" y="38737"/>
+                  </a:lnTo>
+                  <a:lnTo>
+                    <a:pt x="2019" y="38737"/>
+                  </a:lnTo>
+                  <a:cubicBezTo>
+                    <a:pt x="10648" y="38737"/>
+                    <a:pt x="15605" y="33963"/>
+                    <a:pt x="15605" y="27351"/>
+                  </a:cubicBezTo>
+                  <a:cubicBezTo>
+                    <a:pt x="15605" y="19638"/>
+                    <a:pt x="10464" y="15598"/>
+                    <a:pt x="1836" y="15965"/>
+                  </a:cubicBezTo>
+                  <a:lnTo>
+                    <a:pt x="0" y="15965"/>
+                  </a:lnTo>
+                  <a:lnTo>
+                    <a:pt x="0" y="0"/>
+                  </a:lnTo>
+                  <a:close/>
+                </a:path>
+              </a:pathLst>
+            </a:custGeom>
+            <a:ln w="0" cap="flat">
+              <a:miter lim="127000"/>
+            </a:ln>
+          </p:spPr>
+          <p:style>
+            <a:lnRef idx="0">
+              <a:srgbClr val="000000"/>
+            </a:lnRef>
+            <a:fillRef idx="1">
+              <a:srgbClr val="000000"/>
+            </a:fillRef>
+            <a:effectRef idx="0">
+              <a:scrgbClr r="0" g="0" b="0"/>
+            </a:effectRef>
+            <a:fontRef idx="none"/>
+          </p:style>
+          <p:txBody>
+            <a:bodyPr/>
+            <a:lstStyle/>
+            <a:p>
+              <a:endParaRPr lang="fr-FR"/>
+            </a:p>
+          </p:txBody>
+        </p:sp>
+        <p:sp>
+          <p:nvSpPr>
+            <p:cNvPr id="33" name="Shape 38"/>
+            <p:cNvSpPr/>
+            <p:nvPr/>
+          </p:nvSpPr>
+          <p:spPr>
+            <a:xfrm>
+              <a:off x="856975" y="652499"/>
+              <a:ext cx="62970" cy="81895"/>
+            </a:xfrm>
+            <a:custGeom>
+              <a:avLst/>
+              <a:gdLst/>
+              <a:ahLst/>
+              <a:cxnLst/>
+              <a:rect l="0" t="0" r="0" b="0"/>
+              <a:pathLst>
+                <a:path w="62970" h="81895">
+                  <a:moveTo>
+                    <a:pt x="31026" y="0"/>
+                  </a:moveTo>
+                  <a:cubicBezTo>
+                    <a:pt x="42592" y="0"/>
+                    <a:pt x="52322" y="3661"/>
+                    <a:pt x="60400" y="10089"/>
+                  </a:cubicBezTo>
+                  <a:lnTo>
+                    <a:pt x="51404" y="23311"/>
+                  </a:lnTo>
+                  <a:cubicBezTo>
+                    <a:pt x="44611" y="18352"/>
+                    <a:pt x="37635" y="15414"/>
+                    <a:pt x="30842" y="15414"/>
+                  </a:cubicBezTo>
+                  <a:cubicBezTo>
+                    <a:pt x="24050" y="15414"/>
+                    <a:pt x="20561" y="18352"/>
+                    <a:pt x="20561" y="22393"/>
+                  </a:cubicBezTo>
+                  <a:lnTo>
+                    <a:pt x="20561" y="22577"/>
+                  </a:lnTo>
+                  <a:cubicBezTo>
+                    <a:pt x="20561" y="27902"/>
+                    <a:pt x="24050" y="29738"/>
+                    <a:pt x="37635" y="33044"/>
+                  </a:cubicBezTo>
+                  <a:cubicBezTo>
+                    <a:pt x="53790" y="37268"/>
+                    <a:pt x="62970" y="43145"/>
+                    <a:pt x="62970" y="57102"/>
+                  </a:cubicBezTo>
+                  <a:lnTo>
+                    <a:pt x="62970" y="57286"/>
+                  </a:lnTo>
+                  <a:cubicBezTo>
+                    <a:pt x="62970" y="73079"/>
+                    <a:pt x="50853" y="81895"/>
+                    <a:pt x="33780" y="81895"/>
+                  </a:cubicBezTo>
+                  <a:cubicBezTo>
+                    <a:pt x="21480" y="81895"/>
+                    <a:pt x="9546" y="77670"/>
+                    <a:pt x="0" y="69039"/>
+                  </a:cubicBezTo>
+                  <a:lnTo>
+                    <a:pt x="10281" y="56919"/>
+                  </a:lnTo>
+                  <a:cubicBezTo>
+                    <a:pt x="17441" y="62795"/>
+                    <a:pt x="24968" y="66468"/>
+                    <a:pt x="33963" y="66468"/>
+                  </a:cubicBezTo>
+                  <a:cubicBezTo>
+                    <a:pt x="41123" y="66468"/>
+                    <a:pt x="45529" y="63530"/>
+                    <a:pt x="45529" y="58755"/>
+                  </a:cubicBezTo>
+                  <a:lnTo>
+                    <a:pt x="45529" y="58571"/>
+                  </a:lnTo>
+                  <a:cubicBezTo>
+                    <a:pt x="45529" y="54164"/>
+                    <a:pt x="42775" y="51960"/>
+                    <a:pt x="29557" y="48471"/>
+                  </a:cubicBezTo>
+                  <a:cubicBezTo>
+                    <a:pt x="13769" y="44431"/>
+                    <a:pt x="3488" y="40023"/>
+                    <a:pt x="3488" y="24229"/>
+                  </a:cubicBezTo>
+                  <a:lnTo>
+                    <a:pt x="3488" y="24045"/>
+                  </a:lnTo>
+                  <a:cubicBezTo>
+                    <a:pt x="3488" y="9537"/>
+                    <a:pt x="14871" y="0"/>
+                    <a:pt x="31026" y="0"/>
+                  </a:cubicBezTo>
+                  <a:close/>
+                </a:path>
+              </a:pathLst>
+            </a:custGeom>
+            <a:ln w="0" cap="flat">
+              <a:miter lim="127000"/>
+            </a:ln>
+          </p:spPr>
+          <p:style>
+            <a:lnRef idx="0">
+              <a:srgbClr val="000000"/>
+            </a:lnRef>
+            <a:fillRef idx="1">
+              <a:srgbClr val="000000"/>
+            </a:fillRef>
+            <a:effectRef idx="0">
+              <a:scrgbClr r="0" g="0" b="0"/>
+            </a:effectRef>
+            <a:fontRef idx="none"/>
+          </p:style>
+          <p:txBody>
+            <a:bodyPr/>
+            <a:lstStyle/>
+            <a:p>
+              <a:endParaRPr lang="fr-FR"/>
+            </a:p>
+          </p:txBody>
+        </p:sp>
+        <p:sp>
+          <p:nvSpPr>
+            <p:cNvPr id="34" name="Shape 39"/>
+            <p:cNvSpPr/>
+            <p:nvPr/>
+          </p:nvSpPr>
+          <p:spPr>
+            <a:xfrm>
+              <a:off x="1246175" y="534781"/>
+              <a:ext cx="31301" cy="79335"/>
+            </a:xfrm>
+            <a:custGeom>
+              <a:avLst/>
+              <a:gdLst/>
+              <a:ahLst/>
+              <a:cxnLst/>
+              <a:rect l="0" t="0" r="0" b="0"/>
+              <a:pathLst>
+                <a:path w="31301" h="79335">
+                  <a:moveTo>
+                    <a:pt x="0" y="0"/>
+                  </a:moveTo>
+                  <a:lnTo>
+                    <a:pt x="31301" y="0"/>
+                  </a:lnTo>
+                  <a:lnTo>
+                    <a:pt x="31301" y="15695"/>
+                  </a:lnTo>
+                  <a:lnTo>
+                    <a:pt x="31026" y="15610"/>
+                  </a:lnTo>
+                  <a:lnTo>
+                    <a:pt x="17624" y="15610"/>
+                  </a:lnTo>
+                  <a:lnTo>
+                    <a:pt x="17624" y="39851"/>
+                  </a:lnTo>
+                  <a:lnTo>
+                    <a:pt x="31301" y="39851"/>
+                  </a:lnTo>
+                  <a:lnTo>
+                    <a:pt x="31301" y="55444"/>
+                  </a:lnTo>
+                  <a:lnTo>
+                    <a:pt x="30659" y="55645"/>
+                  </a:lnTo>
+                  <a:lnTo>
+                    <a:pt x="17441" y="55645"/>
+                  </a:lnTo>
+                  <a:lnTo>
+                    <a:pt x="17441" y="79335"/>
+                  </a:lnTo>
+                  <a:lnTo>
+                    <a:pt x="0" y="79335"/>
+                  </a:lnTo>
+                  <a:lnTo>
+                    <a:pt x="0" y="0"/>
+                  </a:lnTo>
+                  <a:close/>
+                </a:path>
+              </a:pathLst>
+            </a:custGeom>
+            <a:ln w="0" cap="flat">
+              <a:miter lim="127000"/>
+            </a:ln>
+          </p:spPr>
+          <p:style>
+            <a:lnRef idx="0">
+              <a:srgbClr val="000000"/>
+            </a:lnRef>
+            <a:fillRef idx="1">
+              <a:srgbClr val="000000"/>
+            </a:fillRef>
+            <a:effectRef idx="0">
+              <a:scrgbClr r="0" g="0" b="0"/>
+            </a:effectRef>
+            <a:fontRef idx="none"/>
+          </p:style>
+          <p:txBody>
+            <a:bodyPr/>
+            <a:lstStyle/>
+            <a:p>
+              <a:endParaRPr lang="fr-FR"/>
+            </a:p>
+          </p:txBody>
+        </p:sp>
+        <p:sp>
+          <p:nvSpPr>
+            <p:cNvPr id="35" name="Shape 40"/>
+            <p:cNvSpPr/>
+            <p:nvPr/>
+          </p:nvSpPr>
+          <p:spPr>
+            <a:xfrm>
+              <a:off x="1168885" y="534781"/>
+              <a:ext cx="60400" cy="79335"/>
+            </a:xfrm>
+            <a:custGeom>
+              <a:avLst/>
+              <a:gdLst/>
+              <a:ahLst/>
+              <a:cxnLst/>
+              <a:rect l="0" t="0" r="0" b="0"/>
+              <a:pathLst>
+                <a:path w="60400" h="79335">
+                  <a:moveTo>
+                    <a:pt x="0" y="0"/>
+                  </a:moveTo>
+                  <a:lnTo>
+                    <a:pt x="59665" y="0"/>
+                  </a:lnTo>
+                  <a:lnTo>
+                    <a:pt x="59665" y="15427"/>
+                  </a:lnTo>
+                  <a:lnTo>
+                    <a:pt x="17074" y="15427"/>
+                  </a:lnTo>
+                  <a:lnTo>
+                    <a:pt x="17074" y="31588"/>
+                  </a:lnTo>
+                  <a:lnTo>
+                    <a:pt x="54525" y="31588"/>
+                  </a:lnTo>
+                  <a:lnTo>
+                    <a:pt x="54525" y="47198"/>
+                  </a:lnTo>
+                  <a:lnTo>
+                    <a:pt x="17074" y="47198"/>
+                  </a:lnTo>
+                  <a:lnTo>
+                    <a:pt x="17074" y="63909"/>
+                  </a:lnTo>
+                  <a:lnTo>
+                    <a:pt x="60216" y="63909"/>
+                  </a:lnTo>
+                  <a:lnTo>
+                    <a:pt x="60400" y="63909"/>
+                  </a:lnTo>
+                  <a:lnTo>
+                    <a:pt x="60400" y="79335"/>
+                  </a:lnTo>
+                  <a:lnTo>
+                    <a:pt x="0" y="79335"/>
+                  </a:lnTo>
+                  <a:lnTo>
+                    <a:pt x="0" y="0"/>
+                  </a:lnTo>
+                  <a:close/>
+                </a:path>
+              </a:pathLst>
+            </a:custGeom>
+            <a:ln w="0" cap="flat">
+              <a:miter lim="127000"/>
+            </a:ln>
+          </p:spPr>
+          <p:style>
+            <a:lnRef idx="0">
+              <a:srgbClr val="000000"/>
+            </a:lnRef>
+            <a:fillRef idx="1">
+              <a:srgbClr val="000000"/>
+            </a:fillRef>
+            <a:effectRef idx="0">
+              <a:scrgbClr r="0" g="0" b="0"/>
+            </a:effectRef>
+            <a:fontRef idx="none"/>
+          </p:style>
+          <p:txBody>
+            <a:bodyPr/>
+            <a:lstStyle/>
+            <a:p>
+              <a:endParaRPr lang="fr-FR"/>
+            </a:p>
+          </p:txBody>
+        </p:sp>
+        <p:sp>
+          <p:nvSpPr>
+            <p:cNvPr id="36" name="Shape 41"/>
+            <p:cNvSpPr/>
+            <p:nvPr/>
+          </p:nvSpPr>
+          <p:spPr>
+            <a:xfrm>
+              <a:off x="1085905" y="534781"/>
+              <a:ext cx="72149" cy="79335"/>
+            </a:xfrm>
+            <a:custGeom>
+              <a:avLst/>
+              <a:gdLst/>
+              <a:ahLst/>
+              <a:cxnLst/>
+              <a:rect l="0" t="0" r="0" b="0"/>
+              <a:pathLst>
+                <a:path w="72149" h="79335">
+                  <a:moveTo>
+                    <a:pt x="0" y="0"/>
+                  </a:moveTo>
+                  <a:lnTo>
+                    <a:pt x="17257" y="0"/>
+                  </a:lnTo>
+                  <a:lnTo>
+                    <a:pt x="17257" y="34710"/>
+                  </a:lnTo>
+                  <a:lnTo>
+                    <a:pt x="49384" y="0"/>
+                  </a:lnTo>
+                  <a:lnTo>
+                    <a:pt x="70497" y="0"/>
+                  </a:lnTo>
+                  <a:lnTo>
+                    <a:pt x="38369" y="33608"/>
+                  </a:lnTo>
+                  <a:lnTo>
+                    <a:pt x="72149" y="79335"/>
+                  </a:lnTo>
+                  <a:lnTo>
+                    <a:pt x="51037" y="79335"/>
+                  </a:lnTo>
+                  <a:lnTo>
+                    <a:pt x="26620" y="45545"/>
+                  </a:lnTo>
+                  <a:lnTo>
+                    <a:pt x="17257" y="55094"/>
+                  </a:lnTo>
+                  <a:lnTo>
+                    <a:pt x="17257" y="79335"/>
+                  </a:lnTo>
+                  <a:lnTo>
+                    <a:pt x="0" y="79335"/>
+                  </a:lnTo>
+                  <a:lnTo>
+                    <a:pt x="0" y="0"/>
+                  </a:lnTo>
+                  <a:close/>
+                </a:path>
+              </a:pathLst>
+            </a:custGeom>
+            <a:ln w="0" cap="flat">
+              <a:miter lim="127000"/>
+            </a:ln>
+          </p:spPr>
+          <p:style>
+            <a:lnRef idx="0">
+              <a:srgbClr val="000000"/>
+            </a:lnRef>
+            <a:fillRef idx="1">
+              <a:srgbClr val="000000"/>
+            </a:fillRef>
+            <a:effectRef idx="0">
+              <a:scrgbClr r="0" g="0" b="0"/>
+            </a:effectRef>
+            <a:fontRef idx="none"/>
+          </p:style>
+          <p:txBody>
+            <a:bodyPr/>
+            <a:lstStyle/>
+            <a:p>
+              <a:endParaRPr lang="fr-FR"/>
+            </a:p>
+          </p:txBody>
+        </p:sp>
+        <p:sp>
+          <p:nvSpPr>
+            <p:cNvPr id="37" name="Shape 42"/>
+            <p:cNvSpPr/>
+            <p:nvPr/>
+          </p:nvSpPr>
+          <p:spPr>
+            <a:xfrm>
+              <a:off x="900117" y="534781"/>
+              <a:ext cx="60216" cy="79335"/>
+            </a:xfrm>
+            <a:custGeom>
+              <a:avLst/>
+              <a:gdLst/>
+              <a:ahLst/>
+              <a:cxnLst/>
+              <a:rect l="0" t="0" r="0" b="0"/>
+              <a:pathLst>
+                <a:path w="60216" h="79335">
+                  <a:moveTo>
+                    <a:pt x="0" y="0"/>
+                  </a:moveTo>
+                  <a:lnTo>
+                    <a:pt x="59665" y="0"/>
+                  </a:lnTo>
+                  <a:lnTo>
+                    <a:pt x="59665" y="15427"/>
+                  </a:lnTo>
+                  <a:lnTo>
+                    <a:pt x="17073" y="15427"/>
+                  </a:lnTo>
+                  <a:lnTo>
+                    <a:pt x="17073" y="31588"/>
+                  </a:lnTo>
+                  <a:lnTo>
+                    <a:pt x="54525" y="31588"/>
+                  </a:lnTo>
+                  <a:lnTo>
+                    <a:pt x="54525" y="47198"/>
+                  </a:lnTo>
+                  <a:lnTo>
+                    <a:pt x="17073" y="47198"/>
+                  </a:lnTo>
+                  <a:lnTo>
+                    <a:pt x="17073" y="63909"/>
+                  </a:lnTo>
+                  <a:lnTo>
+                    <a:pt x="60216" y="63909"/>
+                  </a:lnTo>
+                  <a:lnTo>
+                    <a:pt x="60216" y="79335"/>
+                  </a:lnTo>
+                  <a:lnTo>
+                    <a:pt x="0" y="79335"/>
+                  </a:lnTo>
+                  <a:lnTo>
+                    <a:pt x="0" y="0"/>
+                  </a:lnTo>
+                  <a:close/>
+                </a:path>
+              </a:pathLst>
+            </a:custGeom>
+            <a:ln w="0" cap="flat">
+              <a:miter lim="127000"/>
+            </a:ln>
+          </p:spPr>
+          <p:style>
+            <a:lnRef idx="0">
+              <a:srgbClr val="000000"/>
+            </a:lnRef>
+            <a:fillRef idx="1">
+              <a:srgbClr val="000000"/>
+            </a:fillRef>
+            <a:effectRef idx="0">
+              <a:scrgbClr r="0" g="0" b="0"/>
+            </a:effectRef>
+            <a:fontRef idx="none"/>
+          </p:style>
+          <p:txBody>
+            <a:bodyPr/>
+            <a:lstStyle/>
+            <a:p>
+              <a:endParaRPr lang="fr-FR"/>
+            </a:p>
+          </p:txBody>
+        </p:sp>
+        <p:sp>
+          <p:nvSpPr>
+            <p:cNvPr id="38" name="Shape 43"/>
+            <p:cNvSpPr/>
+            <p:nvPr/>
+          </p:nvSpPr>
+          <p:spPr>
+            <a:xfrm>
+              <a:off x="810344" y="534781"/>
+              <a:ext cx="69579" cy="79335"/>
+            </a:xfrm>
+            <a:custGeom>
+              <a:avLst/>
+              <a:gdLst/>
+              <a:ahLst/>
+              <a:cxnLst/>
+              <a:rect l="0" t="0" r="0" b="0"/>
+              <a:pathLst>
+                <a:path w="69579" h="79335">
+                  <a:moveTo>
+                    <a:pt x="0" y="0"/>
+                  </a:moveTo>
+                  <a:lnTo>
+                    <a:pt x="15238" y="0"/>
+                  </a:lnTo>
+                  <a:lnTo>
+                    <a:pt x="52505" y="49034"/>
+                  </a:lnTo>
+                  <a:lnTo>
+                    <a:pt x="52505" y="0"/>
+                  </a:lnTo>
+                  <a:lnTo>
+                    <a:pt x="69579" y="0"/>
+                  </a:lnTo>
+                  <a:lnTo>
+                    <a:pt x="69579" y="79335"/>
+                  </a:lnTo>
+                  <a:lnTo>
+                    <a:pt x="54708" y="79335"/>
+                  </a:lnTo>
+                  <a:lnTo>
+                    <a:pt x="16339" y="28833"/>
+                  </a:lnTo>
+                  <a:lnTo>
+                    <a:pt x="16339" y="79335"/>
+                  </a:lnTo>
+                  <a:lnTo>
+                    <a:pt x="0" y="79335"/>
+                  </a:lnTo>
+                  <a:lnTo>
+                    <a:pt x="0" y="0"/>
+                  </a:lnTo>
+                  <a:close/>
+                </a:path>
+              </a:pathLst>
+            </a:custGeom>
+            <a:ln w="0" cap="flat">
+              <a:miter lim="127000"/>
+            </a:ln>
+          </p:spPr>
+          <p:style>
+            <a:lnRef idx="0">
+              <a:srgbClr val="000000"/>
+            </a:lnRef>
+            <a:fillRef idx="1">
+              <a:srgbClr val="000000"/>
+            </a:fillRef>
+            <a:effectRef idx="0">
+              <a:scrgbClr r="0" g="0" b="0"/>
+            </a:effectRef>
+            <a:fontRef idx="none"/>
+          </p:style>
+          <p:txBody>
+            <a:bodyPr/>
+            <a:lstStyle/>
+            <a:p>
+              <a:endParaRPr lang="fr-FR"/>
+            </a:p>
+          </p:txBody>
+        </p:sp>
+        <p:sp>
+          <p:nvSpPr>
+            <p:cNvPr id="39" name="Shape 44"/>
+            <p:cNvSpPr/>
+            <p:nvPr/>
+          </p:nvSpPr>
+          <p:spPr>
+            <a:xfrm>
+              <a:off x="970981" y="533863"/>
+              <a:ext cx="62970" cy="81540"/>
+            </a:xfrm>
+            <a:custGeom>
+              <a:avLst/>
+              <a:gdLst/>
+              <a:ahLst/>
+              <a:cxnLst/>
+              <a:rect l="0" t="0" r="0" b="0"/>
+              <a:pathLst>
+                <a:path w="62970" h="81540">
+                  <a:moveTo>
+                    <a:pt x="31210" y="0"/>
+                  </a:moveTo>
+                  <a:cubicBezTo>
+                    <a:pt x="42592" y="0"/>
+                    <a:pt x="52506" y="3673"/>
+                    <a:pt x="60583" y="9917"/>
+                  </a:cubicBezTo>
+                  <a:lnTo>
+                    <a:pt x="51404" y="23140"/>
+                  </a:lnTo>
+                  <a:cubicBezTo>
+                    <a:pt x="44611" y="18365"/>
+                    <a:pt x="37451" y="15427"/>
+                    <a:pt x="30842" y="15427"/>
+                  </a:cubicBezTo>
+                  <a:cubicBezTo>
+                    <a:pt x="24050" y="15427"/>
+                    <a:pt x="20562" y="18365"/>
+                    <a:pt x="20562" y="22222"/>
+                  </a:cubicBezTo>
+                  <a:lnTo>
+                    <a:pt x="20562" y="22405"/>
+                  </a:lnTo>
+                  <a:cubicBezTo>
+                    <a:pt x="20562" y="27915"/>
+                    <a:pt x="24050" y="29567"/>
+                    <a:pt x="37818" y="33057"/>
+                  </a:cubicBezTo>
+                  <a:cubicBezTo>
+                    <a:pt x="53974" y="37097"/>
+                    <a:pt x="62970" y="42973"/>
+                    <a:pt x="62970" y="56747"/>
+                  </a:cubicBezTo>
+                  <a:lnTo>
+                    <a:pt x="62970" y="56931"/>
+                  </a:lnTo>
+                  <a:cubicBezTo>
+                    <a:pt x="62970" y="72724"/>
+                    <a:pt x="51037" y="81540"/>
+                    <a:pt x="33780" y="81540"/>
+                  </a:cubicBezTo>
+                  <a:cubicBezTo>
+                    <a:pt x="21663" y="81540"/>
+                    <a:pt x="9547" y="77315"/>
+                    <a:pt x="0" y="68684"/>
+                  </a:cubicBezTo>
+                  <a:lnTo>
+                    <a:pt x="10281" y="56564"/>
+                  </a:lnTo>
+                  <a:cubicBezTo>
+                    <a:pt x="17441" y="62440"/>
+                    <a:pt x="24968" y="66113"/>
+                    <a:pt x="34147" y="66113"/>
+                  </a:cubicBezTo>
+                  <a:cubicBezTo>
+                    <a:pt x="41123" y="66113"/>
+                    <a:pt x="45345" y="63175"/>
+                    <a:pt x="45529" y="58767"/>
+                  </a:cubicBezTo>
+                  <a:lnTo>
+                    <a:pt x="45529" y="58400"/>
+                  </a:lnTo>
+                  <a:cubicBezTo>
+                    <a:pt x="45529" y="53992"/>
+                    <a:pt x="42959" y="51789"/>
+                    <a:pt x="29741" y="48483"/>
+                  </a:cubicBezTo>
+                  <a:cubicBezTo>
+                    <a:pt x="13769" y="44259"/>
+                    <a:pt x="3488" y="39851"/>
+                    <a:pt x="3488" y="24242"/>
+                  </a:cubicBezTo>
+                  <a:lnTo>
+                    <a:pt x="3488" y="23874"/>
+                  </a:lnTo>
+                  <a:cubicBezTo>
+                    <a:pt x="3488" y="9550"/>
+                    <a:pt x="15054" y="0"/>
+                    <a:pt x="31210" y="0"/>
+                  </a:cubicBezTo>
+                  <a:close/>
+                </a:path>
+              </a:pathLst>
+            </a:custGeom>
+            <a:ln w="0" cap="flat">
+              <a:miter lim="127000"/>
+            </a:ln>
+          </p:spPr>
+          <p:style>
+            <a:lnRef idx="0">
+              <a:srgbClr val="000000"/>
+            </a:lnRef>
+            <a:fillRef idx="1">
+              <a:srgbClr val="000000"/>
+            </a:fillRef>
+            <a:effectRef idx="0">
+              <a:scrgbClr r="0" g="0" b="0"/>
+            </a:effectRef>
+            <a:fontRef idx="none"/>
+          </p:style>
+          <p:txBody>
+            <a:bodyPr/>
+            <a:lstStyle/>
+            <a:p>
+              <a:endParaRPr lang="fr-FR"/>
+            </a:p>
+          </p:txBody>
+        </p:sp>
+        <p:sp>
+          <p:nvSpPr>
+            <p:cNvPr id="40" name="Shape 45"/>
+            <p:cNvSpPr/>
+            <p:nvPr/>
+          </p:nvSpPr>
+          <p:spPr>
+            <a:xfrm>
+              <a:off x="810344" y="314588"/>
+              <a:ext cx="27538" cy="98802"/>
+            </a:xfrm>
+            <a:custGeom>
+              <a:avLst/>
+              <a:gdLst/>
+              <a:ahLst/>
+              <a:cxnLst/>
+              <a:rect l="0" t="0" r="0" b="0"/>
+              <a:pathLst>
+                <a:path w="27538" h="98802">
+                  <a:moveTo>
+                    <a:pt x="0" y="0"/>
+                  </a:moveTo>
+                  <a:lnTo>
+                    <a:pt x="27354" y="0"/>
+                  </a:lnTo>
+                  <a:lnTo>
+                    <a:pt x="27538" y="0"/>
+                  </a:lnTo>
+                  <a:lnTo>
+                    <a:pt x="27538" y="98802"/>
+                  </a:lnTo>
+                  <a:lnTo>
+                    <a:pt x="0" y="98802"/>
+                  </a:lnTo>
+                  <a:lnTo>
+                    <a:pt x="0" y="0"/>
+                  </a:lnTo>
+                  <a:close/>
+                </a:path>
+              </a:pathLst>
+            </a:custGeom>
+            <a:ln w="0" cap="flat">
+              <a:miter lim="127000"/>
+            </a:ln>
+          </p:spPr>
+          <p:style>
+            <a:lnRef idx="0">
+              <a:srgbClr val="000000"/>
+            </a:lnRef>
+            <a:fillRef idx="1">
+              <a:srgbClr val="000000"/>
+            </a:fillRef>
+            <a:effectRef idx="0">
+              <a:scrgbClr r="0" g="0" b="0"/>
+            </a:effectRef>
+            <a:fontRef idx="none"/>
+          </p:style>
+          <p:txBody>
+            <a:bodyPr/>
+            <a:lstStyle/>
+            <a:p>
+              <a:endParaRPr lang="fr-FR"/>
+            </a:p>
+          </p:txBody>
+        </p:sp>
+        <p:sp>
+          <p:nvSpPr>
+            <p:cNvPr id="41" name="Shape 46"/>
+            <p:cNvSpPr/>
+            <p:nvPr/>
+          </p:nvSpPr>
+          <p:spPr>
+            <a:xfrm>
+              <a:off x="912050" y="0"/>
+              <a:ext cx="365426" cy="419565"/>
+            </a:xfrm>
+            <a:custGeom>
+              <a:avLst/>
+              <a:gdLst/>
+              <a:ahLst/>
+              <a:cxnLst/>
+              <a:rect l="0" t="0" r="0" b="0"/>
+              <a:pathLst>
+                <a:path w="365426" h="419565">
+                  <a:moveTo>
+                    <a:pt x="0" y="0"/>
+                  </a:moveTo>
+                  <a:lnTo>
+                    <a:pt x="99870" y="0"/>
+                  </a:lnTo>
+                  <a:lnTo>
+                    <a:pt x="99870" y="215235"/>
+                  </a:lnTo>
+                  <a:cubicBezTo>
+                    <a:pt x="99870" y="289245"/>
+                    <a:pt x="136771" y="327443"/>
+                    <a:pt x="197721" y="327443"/>
+                  </a:cubicBezTo>
+                  <a:cubicBezTo>
+                    <a:pt x="258671" y="327443"/>
+                    <a:pt x="295755" y="290347"/>
+                    <a:pt x="295755" y="218357"/>
+                  </a:cubicBezTo>
+                  <a:lnTo>
+                    <a:pt x="295755" y="0"/>
+                  </a:lnTo>
+                  <a:lnTo>
+                    <a:pt x="365426" y="0"/>
+                  </a:lnTo>
+                  <a:lnTo>
+                    <a:pt x="365426" y="338537"/>
+                  </a:lnTo>
+                  <a:lnTo>
+                    <a:pt x="364800" y="339844"/>
+                  </a:lnTo>
+                  <a:cubicBezTo>
+                    <a:pt x="331497" y="393209"/>
+                    <a:pt x="272807" y="419565"/>
+                    <a:pt x="196619" y="419451"/>
+                  </a:cubicBezTo>
+                  <a:cubicBezTo>
+                    <a:pt x="74719" y="419451"/>
+                    <a:pt x="0" y="351317"/>
+                    <a:pt x="0" y="217622"/>
+                  </a:cubicBezTo>
+                  <a:lnTo>
+                    <a:pt x="0" y="0"/>
+                  </a:lnTo>
+                  <a:close/>
+                </a:path>
+              </a:pathLst>
+            </a:custGeom>
+            <a:ln w="0" cap="flat">
+              <a:miter lim="127000"/>
+            </a:ln>
+          </p:spPr>
+          <p:style>
+            <a:lnRef idx="0">
+              <a:srgbClr val="000000"/>
+            </a:lnRef>
+            <a:fillRef idx="1">
+              <a:srgbClr val="000000"/>
+            </a:fillRef>
+            <a:effectRef idx="0">
+              <a:scrgbClr r="0" g="0" b="0"/>
+            </a:effectRef>
+            <a:fontRef idx="none"/>
+          </p:style>
+          <p:txBody>
+            <a:bodyPr/>
+            <a:lstStyle/>
+            <a:p>
+              <a:endParaRPr lang="fr-FR"/>
+            </a:p>
+          </p:txBody>
+        </p:sp>
+        <p:sp>
+          <p:nvSpPr>
+            <p:cNvPr id="42" name="Shape 47"/>
+            <p:cNvSpPr/>
+            <p:nvPr/>
+          </p:nvSpPr>
+          <p:spPr>
+            <a:xfrm>
+              <a:off x="810344" y="0"/>
+              <a:ext cx="27354" cy="143367"/>
+            </a:xfrm>
+            <a:custGeom>
+              <a:avLst/>
+              <a:gdLst/>
+              <a:ahLst/>
+              <a:cxnLst/>
+              <a:rect l="0" t="0" r="0" b="0"/>
+              <a:pathLst>
+                <a:path w="27354" h="143367">
+                  <a:moveTo>
+                    <a:pt x="27354" y="0"/>
+                  </a:moveTo>
+                  <a:lnTo>
+                    <a:pt x="27354" y="119922"/>
+                  </a:lnTo>
+                  <a:lnTo>
+                    <a:pt x="0" y="143367"/>
+                  </a:lnTo>
+                  <a:lnTo>
+                    <a:pt x="0" y="23467"/>
+                  </a:lnTo>
+                  <a:lnTo>
+                    <a:pt x="27354" y="0"/>
+                  </a:lnTo>
+                  <a:close/>
+                </a:path>
+              </a:pathLst>
+            </a:custGeom>
+            <a:ln w="0" cap="flat">
+              <a:miter lim="127000"/>
+            </a:ln>
+          </p:spPr>
+          <p:style>
+            <a:lnRef idx="0">
+              <a:srgbClr val="000000"/>
+            </a:lnRef>
+            <a:fillRef idx="1">
+              <a:srgbClr val="000000"/>
+            </a:fillRef>
+            <a:effectRef idx="0">
+              <a:scrgbClr r="0" g="0" b="0"/>
+            </a:effectRef>
+            <a:fontRef idx="none"/>
+          </p:style>
+          <p:txBody>
+            <a:bodyPr/>
+            <a:lstStyle/>
+            <a:p>
+              <a:endParaRPr lang="fr-FR"/>
+            </a:p>
+          </p:txBody>
+        </p:sp>
+        <p:sp>
+          <p:nvSpPr>
+            <p:cNvPr id="43" name="Shape 48"/>
+            <p:cNvSpPr/>
+            <p:nvPr/>
+          </p:nvSpPr>
+          <p:spPr>
+            <a:xfrm>
+              <a:off x="1386617" y="669199"/>
+              <a:ext cx="367" cy="0"/>
+            </a:xfrm>
+            <a:custGeom>
+              <a:avLst/>
+              <a:gdLst/>
+              <a:ahLst/>
+              <a:cxnLst/>
+              <a:rect l="0" t="0" r="0" b="0"/>
+              <a:pathLst>
+                <a:path w="367">
+                  <a:moveTo>
+                    <a:pt x="367" y="0"/>
+                  </a:moveTo>
+                  <a:lnTo>
+                    <a:pt x="0" y="0"/>
+                  </a:lnTo>
+                  <a:close/>
+                </a:path>
+              </a:pathLst>
+            </a:custGeom>
+            <a:ln w="0" cap="flat">
+              <a:miter lim="127000"/>
+            </a:ln>
+          </p:spPr>
+          <p:style>
+            <a:lnRef idx="0">
+              <a:srgbClr val="000000"/>
+            </a:lnRef>
+            <a:fillRef idx="1">
+              <a:srgbClr val="000000"/>
+            </a:fillRef>
+            <a:effectRef idx="0">
+              <a:scrgbClr r="0" g="0" b="0"/>
+            </a:effectRef>
+            <a:fontRef idx="none"/>
+          </p:style>
+          <p:txBody>
+            <a:bodyPr/>
+            <a:lstStyle/>
+            <a:p>
+              <a:endParaRPr lang="fr-FR"/>
+            </a:p>
+          </p:txBody>
+        </p:sp>
+        <p:sp>
+          <p:nvSpPr>
+            <p:cNvPr id="44" name="Shape 49"/>
+            <p:cNvSpPr/>
+            <p:nvPr/>
+          </p:nvSpPr>
+          <p:spPr>
+            <a:xfrm>
+              <a:off x="1385516" y="653785"/>
+              <a:ext cx="66091" cy="79323"/>
+            </a:xfrm>
+            <a:custGeom>
+              <a:avLst/>
+              <a:gdLst/>
+              <a:ahLst/>
+              <a:cxnLst/>
+              <a:rect l="0" t="0" r="0" b="0"/>
+              <a:pathLst>
+                <a:path w="66091" h="79323">
+                  <a:moveTo>
+                    <a:pt x="1469" y="0"/>
+                  </a:moveTo>
+                  <a:lnTo>
+                    <a:pt x="66091" y="0"/>
+                  </a:lnTo>
+                  <a:lnTo>
+                    <a:pt x="66091" y="13210"/>
+                  </a:lnTo>
+                  <a:lnTo>
+                    <a:pt x="22397" y="63897"/>
+                  </a:lnTo>
+                  <a:lnTo>
+                    <a:pt x="66091" y="63897"/>
+                  </a:lnTo>
+                  <a:lnTo>
+                    <a:pt x="66091" y="79323"/>
+                  </a:lnTo>
+                  <a:lnTo>
+                    <a:pt x="0" y="79323"/>
+                  </a:lnTo>
+                  <a:lnTo>
+                    <a:pt x="0" y="66101"/>
+                  </a:lnTo>
+                  <a:lnTo>
+                    <a:pt x="43510" y="15414"/>
+                  </a:lnTo>
+                  <a:lnTo>
+                    <a:pt x="1469" y="15414"/>
+                  </a:lnTo>
+                  <a:lnTo>
+                    <a:pt x="1469" y="0"/>
+                  </a:lnTo>
+                  <a:close/>
+                </a:path>
+              </a:pathLst>
+            </a:custGeom>
+            <a:ln w="0" cap="flat">
+              <a:miter lim="127000"/>
+            </a:ln>
+          </p:spPr>
+          <p:style>
+            <a:lnRef idx="0">
+              <a:srgbClr val="000000"/>
+            </a:lnRef>
+            <a:fillRef idx="1">
+              <a:srgbClr val="000000"/>
+            </a:fillRef>
+            <a:effectRef idx="0">
+              <a:scrgbClr r="0" g="0" b="0"/>
+            </a:effectRef>
+            <a:fontRef idx="none"/>
+          </p:style>
+          <p:txBody>
+            <a:bodyPr/>
+            <a:lstStyle/>
+            <a:p>
+              <a:endParaRPr lang="fr-FR"/>
+            </a:p>
+          </p:txBody>
+        </p:sp>
+        <p:sp>
+          <p:nvSpPr>
+            <p:cNvPr id="45" name="Shape 50"/>
+            <p:cNvSpPr/>
+            <p:nvPr/>
+          </p:nvSpPr>
+          <p:spPr>
+            <a:xfrm>
+              <a:off x="1295375" y="653785"/>
+              <a:ext cx="70497" cy="79323"/>
+            </a:xfrm>
+            <a:custGeom>
+              <a:avLst/>
+              <a:gdLst/>
+              <a:ahLst/>
+              <a:cxnLst/>
+              <a:rect l="0" t="0" r="0" b="0"/>
+              <a:pathLst>
+                <a:path w="70497" h="79323">
+                  <a:moveTo>
+                    <a:pt x="0" y="0"/>
+                  </a:moveTo>
+                  <a:lnTo>
+                    <a:pt x="16156" y="0"/>
+                  </a:lnTo>
+                  <a:lnTo>
+                    <a:pt x="53423" y="49021"/>
+                  </a:lnTo>
+                  <a:lnTo>
+                    <a:pt x="53423" y="0"/>
+                  </a:lnTo>
+                  <a:lnTo>
+                    <a:pt x="70497" y="0"/>
+                  </a:lnTo>
+                  <a:lnTo>
+                    <a:pt x="70497" y="79323"/>
+                  </a:lnTo>
+                  <a:lnTo>
+                    <a:pt x="55626" y="79323"/>
+                  </a:lnTo>
+                  <a:lnTo>
+                    <a:pt x="17074" y="28820"/>
+                  </a:lnTo>
+                  <a:lnTo>
+                    <a:pt x="17074" y="79323"/>
+                  </a:lnTo>
+                  <a:lnTo>
+                    <a:pt x="0" y="79323"/>
+                  </a:lnTo>
+                  <a:lnTo>
+                    <a:pt x="0" y="0"/>
+                  </a:lnTo>
+                  <a:close/>
+                </a:path>
+              </a:pathLst>
+            </a:custGeom>
+            <a:ln w="0" cap="flat">
+              <a:miter lim="127000"/>
+            </a:ln>
+          </p:spPr>
+          <p:style>
+            <a:lnRef idx="0">
+              <a:srgbClr val="000000"/>
+            </a:lnRef>
+            <a:fillRef idx="1">
+              <a:srgbClr val="000000"/>
+            </a:fillRef>
+            <a:effectRef idx="0">
+              <a:scrgbClr r="0" g="0" b="0"/>
+            </a:effectRef>
+            <a:fontRef idx="none"/>
+          </p:style>
+          <p:txBody>
+            <a:bodyPr/>
+            <a:lstStyle/>
+            <a:p>
+              <a:endParaRPr lang="fr-FR"/>
+            </a:p>
+          </p:txBody>
+        </p:sp>
+        <p:sp>
+          <p:nvSpPr>
+            <p:cNvPr id="46" name="Shape 51"/>
+            <p:cNvSpPr/>
+            <p:nvPr/>
+          </p:nvSpPr>
+          <p:spPr>
+            <a:xfrm>
+              <a:off x="1468496" y="534781"/>
+              <a:ext cx="32862" cy="79335"/>
+            </a:xfrm>
+            <a:custGeom>
+              <a:avLst/>
+              <a:gdLst/>
+              <a:ahLst/>
+              <a:cxnLst/>
+              <a:rect l="0" t="0" r="0" b="0"/>
+              <a:pathLst>
+                <a:path w="32862" h="79335">
+                  <a:moveTo>
+                    <a:pt x="0" y="0"/>
+                  </a:moveTo>
+                  <a:lnTo>
+                    <a:pt x="32862" y="0"/>
+                  </a:lnTo>
+                  <a:lnTo>
+                    <a:pt x="32862" y="15977"/>
+                  </a:lnTo>
+                  <a:lnTo>
+                    <a:pt x="17257" y="15977"/>
+                  </a:lnTo>
+                  <a:lnTo>
+                    <a:pt x="17257" y="38750"/>
+                  </a:lnTo>
+                  <a:lnTo>
+                    <a:pt x="32862" y="38750"/>
+                  </a:lnTo>
+                  <a:lnTo>
+                    <a:pt x="32862" y="56583"/>
+                  </a:lnTo>
+                  <a:lnTo>
+                    <a:pt x="31026" y="53809"/>
+                  </a:lnTo>
+                  <a:lnTo>
+                    <a:pt x="17257" y="53809"/>
+                  </a:lnTo>
+                  <a:lnTo>
+                    <a:pt x="17257" y="79335"/>
+                  </a:lnTo>
+                  <a:lnTo>
+                    <a:pt x="0" y="79335"/>
+                  </a:lnTo>
+                  <a:lnTo>
+                    <a:pt x="0" y="0"/>
+                  </a:lnTo>
+                  <a:close/>
+                </a:path>
+              </a:pathLst>
+            </a:custGeom>
+            <a:ln w="0" cap="flat">
+              <a:miter lim="127000"/>
+            </a:ln>
+          </p:spPr>
+          <p:style>
+            <a:lnRef idx="0">
+              <a:srgbClr val="000000"/>
+            </a:lnRef>
+            <a:fillRef idx="1">
+              <a:srgbClr val="000000"/>
+            </a:fillRef>
+            <a:effectRef idx="0">
+              <a:scrgbClr r="0" g="0" b="0"/>
+            </a:effectRef>
+            <a:fontRef idx="none"/>
+          </p:style>
+          <p:txBody>
+            <a:bodyPr/>
+            <a:lstStyle/>
+            <a:p>
+              <a:endParaRPr lang="fr-FR"/>
+            </a:p>
+          </p:txBody>
+        </p:sp>
+        <p:sp>
+          <p:nvSpPr>
+            <p:cNvPr id="47" name="Shape 52"/>
+            <p:cNvSpPr/>
+            <p:nvPr/>
+          </p:nvSpPr>
+          <p:spPr>
+            <a:xfrm>
+              <a:off x="1391023" y="534781"/>
+              <a:ext cx="60583" cy="79335"/>
+            </a:xfrm>
+            <a:custGeom>
+              <a:avLst/>
+              <a:gdLst/>
+              <a:ahLst/>
+              <a:cxnLst/>
+              <a:rect l="0" t="0" r="0" b="0"/>
+              <a:pathLst>
+                <a:path w="60583" h="79335">
+                  <a:moveTo>
+                    <a:pt x="0" y="0"/>
+                  </a:moveTo>
+                  <a:lnTo>
+                    <a:pt x="60032" y="0"/>
+                  </a:lnTo>
+                  <a:lnTo>
+                    <a:pt x="60032" y="15427"/>
+                  </a:lnTo>
+                  <a:lnTo>
+                    <a:pt x="17440" y="15427"/>
+                  </a:lnTo>
+                  <a:lnTo>
+                    <a:pt x="17440" y="31588"/>
+                  </a:lnTo>
+                  <a:lnTo>
+                    <a:pt x="54892" y="31588"/>
+                  </a:lnTo>
+                  <a:lnTo>
+                    <a:pt x="54892" y="47198"/>
+                  </a:lnTo>
+                  <a:lnTo>
+                    <a:pt x="17440" y="47198"/>
+                  </a:lnTo>
+                  <a:lnTo>
+                    <a:pt x="17440" y="63909"/>
+                  </a:lnTo>
+                  <a:lnTo>
+                    <a:pt x="60583" y="63909"/>
+                  </a:lnTo>
+                  <a:lnTo>
+                    <a:pt x="60583" y="79335"/>
+                  </a:lnTo>
+                  <a:lnTo>
+                    <a:pt x="0" y="79335"/>
+                  </a:lnTo>
+                  <a:lnTo>
+                    <a:pt x="0" y="0"/>
+                  </a:lnTo>
+                  <a:close/>
+                </a:path>
+              </a:pathLst>
+            </a:custGeom>
+            <a:ln w="0" cap="flat">
+              <a:miter lim="127000"/>
+            </a:ln>
+          </p:spPr>
+          <p:style>
+            <a:lnRef idx="0">
+              <a:srgbClr val="000000"/>
+            </a:lnRef>
+            <a:fillRef idx="1">
+              <a:srgbClr val="000000"/>
+            </a:fillRef>
+            <a:effectRef idx="0">
+              <a:scrgbClr r="0" g="0" b="0"/>
+            </a:effectRef>
+            <a:fontRef idx="none"/>
+          </p:style>
+          <p:txBody>
+            <a:bodyPr/>
+            <a:lstStyle/>
+            <a:p>
+              <a:endParaRPr lang="fr-FR"/>
+            </a:p>
+          </p:txBody>
+        </p:sp>
+        <p:sp>
+          <p:nvSpPr>
+            <p:cNvPr id="48" name="Shape 53"/>
+            <p:cNvSpPr/>
+            <p:nvPr/>
+          </p:nvSpPr>
+          <p:spPr>
+            <a:xfrm>
+              <a:off x="1339252" y="534781"/>
+              <a:ext cx="184" cy="0"/>
+            </a:xfrm>
+            <a:custGeom>
+              <a:avLst/>
+              <a:gdLst/>
+              <a:ahLst/>
+              <a:cxnLst/>
+              <a:rect l="0" t="0" r="0" b="0"/>
+              <a:pathLst>
+                <a:path w="184">
+                  <a:moveTo>
+                    <a:pt x="184" y="0"/>
+                  </a:moveTo>
+                  <a:lnTo>
+                    <a:pt x="0" y="0"/>
+                  </a:lnTo>
+                  <a:close/>
+                </a:path>
+              </a:pathLst>
+            </a:custGeom>
+            <a:ln w="0" cap="flat">
+              <a:miter lim="127000"/>
+            </a:ln>
+          </p:spPr>
+          <p:style>
+            <a:lnRef idx="0">
+              <a:srgbClr val="000000"/>
+            </a:lnRef>
+            <a:fillRef idx="1">
+              <a:srgbClr val="000000"/>
+            </a:fillRef>
+            <a:effectRef idx="0">
+              <a:scrgbClr r="0" g="0" b="0"/>
+            </a:effectRef>
+            <a:fontRef idx="none"/>
+          </p:style>
+          <p:txBody>
+            <a:bodyPr/>
+            <a:lstStyle/>
+            <a:p>
+              <a:endParaRPr lang="fr-FR"/>
+            </a:p>
+          </p:txBody>
+        </p:sp>
+        <p:sp>
+          <p:nvSpPr>
+            <p:cNvPr id="49" name="Shape 54"/>
+            <p:cNvSpPr/>
+            <p:nvPr/>
+          </p:nvSpPr>
+          <p:spPr>
+            <a:xfrm>
+              <a:off x="1321995" y="534781"/>
+              <a:ext cx="56911" cy="79335"/>
+            </a:xfrm>
+            <a:custGeom>
+              <a:avLst/>
+              <a:gdLst/>
+              <a:ahLst/>
+              <a:cxnLst/>
+              <a:rect l="0" t="0" r="0" b="0"/>
+              <a:pathLst>
+                <a:path w="56911" h="79335">
+                  <a:moveTo>
+                    <a:pt x="0" y="0"/>
+                  </a:moveTo>
+                  <a:lnTo>
+                    <a:pt x="17257" y="0"/>
+                  </a:lnTo>
+                  <a:lnTo>
+                    <a:pt x="17257" y="63358"/>
+                  </a:lnTo>
+                  <a:lnTo>
+                    <a:pt x="56911" y="63358"/>
+                  </a:lnTo>
+                  <a:lnTo>
+                    <a:pt x="56911" y="79335"/>
+                  </a:lnTo>
+                  <a:lnTo>
+                    <a:pt x="0" y="79335"/>
+                  </a:lnTo>
+                  <a:lnTo>
+                    <a:pt x="0" y="0"/>
+                  </a:lnTo>
+                  <a:close/>
+                </a:path>
+              </a:pathLst>
+            </a:custGeom>
+            <a:ln w="0" cap="flat">
+              <a:miter lim="127000"/>
+            </a:ln>
+          </p:spPr>
+          <p:style>
+            <a:lnRef idx="0">
+              <a:srgbClr val="000000"/>
+            </a:lnRef>
+            <a:fillRef idx="1">
+              <a:srgbClr val="000000"/>
+            </a:fillRef>
+            <a:effectRef idx="0">
+              <a:scrgbClr r="0" g="0" b="0"/>
+            </a:effectRef>
+            <a:fontRef idx="none"/>
+          </p:style>
+          <p:txBody>
+            <a:bodyPr/>
+            <a:lstStyle/>
+            <a:p>
+              <a:endParaRPr lang="fr-FR"/>
+            </a:p>
+          </p:txBody>
+        </p:sp>
+        <p:sp>
+          <p:nvSpPr>
+            <p:cNvPr id="50" name="Shape 55"/>
+            <p:cNvSpPr/>
+            <p:nvPr/>
+          </p:nvSpPr>
+          <p:spPr>
+            <a:xfrm>
+              <a:off x="1277476" y="534781"/>
+              <a:ext cx="31301" cy="55444"/>
+            </a:xfrm>
+            <a:custGeom>
+              <a:avLst/>
+              <a:gdLst/>
+              <a:ahLst/>
+              <a:cxnLst/>
+              <a:rect l="0" t="0" r="0" b="0"/>
+              <a:pathLst>
+                <a:path w="31301" h="55444">
+                  <a:moveTo>
+                    <a:pt x="0" y="0"/>
+                  </a:moveTo>
+                  <a:lnTo>
+                    <a:pt x="1010" y="0"/>
+                  </a:lnTo>
+                  <a:cubicBezTo>
+                    <a:pt x="19919" y="0"/>
+                    <a:pt x="31301" y="11203"/>
+                    <a:pt x="31301" y="27731"/>
+                  </a:cubicBezTo>
+                  <a:cubicBezTo>
+                    <a:pt x="31301" y="36913"/>
+                    <a:pt x="27721" y="43892"/>
+                    <a:pt x="21938" y="48575"/>
+                  </a:cubicBezTo>
+                  <a:lnTo>
+                    <a:pt x="0" y="55444"/>
+                  </a:lnTo>
+                  <a:lnTo>
+                    <a:pt x="0" y="39851"/>
+                  </a:lnTo>
+                  <a:lnTo>
+                    <a:pt x="92" y="39851"/>
+                  </a:lnTo>
+                  <a:cubicBezTo>
+                    <a:pt x="8537" y="39851"/>
+                    <a:pt x="13677" y="34710"/>
+                    <a:pt x="13677" y="27915"/>
+                  </a:cubicBezTo>
+                  <a:cubicBezTo>
+                    <a:pt x="13677" y="23875"/>
+                    <a:pt x="12300" y="20798"/>
+                    <a:pt x="9868" y="18732"/>
+                  </a:cubicBezTo>
+                  <a:lnTo>
+                    <a:pt x="0" y="15695"/>
+                  </a:lnTo>
+                  <a:lnTo>
+                    <a:pt x="0" y="0"/>
+                  </a:lnTo>
+                  <a:close/>
+                </a:path>
+              </a:pathLst>
+            </a:custGeom>
+            <a:ln w="0" cap="flat">
+              <a:miter lim="127000"/>
+            </a:ln>
+          </p:spPr>
+          <p:style>
+            <a:lnRef idx="0">
+              <a:srgbClr val="000000"/>
+            </a:lnRef>
+            <a:fillRef idx="1">
+              <a:srgbClr val="000000"/>
+            </a:fillRef>
+            <a:effectRef idx="0">
+              <a:scrgbClr r="0" g="0" b="0"/>
+            </a:effectRef>
+            <a:fontRef idx="none"/>
+          </p:style>
+          <p:txBody>
+            <a:bodyPr/>
+            <a:lstStyle/>
+            <a:p>
+              <a:endParaRPr lang="fr-FR"/>
+            </a:p>
+          </p:txBody>
+        </p:sp>
+        <p:sp>
+          <p:nvSpPr>
+            <p:cNvPr id="51" name="Shape 56"/>
+            <p:cNvSpPr/>
+            <p:nvPr/>
+          </p:nvSpPr>
+          <p:spPr>
+            <a:xfrm>
+              <a:off x="1277476" y="0"/>
+              <a:ext cx="30200" cy="338537"/>
+            </a:xfrm>
+            <a:custGeom>
+              <a:avLst/>
+              <a:gdLst/>
+              <a:ahLst/>
+              <a:cxnLst/>
+              <a:rect l="0" t="0" r="0" b="0"/>
+              <a:pathLst>
+                <a:path w="30200" h="338537">
+                  <a:moveTo>
+                    <a:pt x="0" y="0"/>
+                  </a:moveTo>
+                  <a:lnTo>
+                    <a:pt x="30200" y="0"/>
+                  </a:lnTo>
+                  <a:lnTo>
+                    <a:pt x="30200" y="214500"/>
+                  </a:lnTo>
+                  <a:cubicBezTo>
+                    <a:pt x="30200" y="248888"/>
+                    <a:pt x="25381" y="278903"/>
+                    <a:pt x="16247" y="304579"/>
+                  </a:cubicBezTo>
+                  <a:lnTo>
+                    <a:pt x="0" y="338537"/>
+                  </a:lnTo>
+                  <a:lnTo>
+                    <a:pt x="0" y="0"/>
+                  </a:lnTo>
+                  <a:close/>
+                </a:path>
+              </a:pathLst>
+            </a:custGeom>
+            <a:ln w="0" cap="flat">
+              <a:miter lim="127000"/>
+            </a:ln>
+          </p:spPr>
+          <p:style>
+            <a:lnRef idx="0">
+              <a:srgbClr val="000000"/>
+            </a:lnRef>
+            <a:fillRef idx="1">
+              <a:srgbClr val="000000"/>
+            </a:fillRef>
+            <a:effectRef idx="0">
+              <a:scrgbClr r="0" g="0" b="0"/>
+            </a:effectRef>
+            <a:fontRef idx="none"/>
+          </p:style>
+          <p:txBody>
+            <a:bodyPr/>
+            <a:lstStyle/>
+            <a:p>
+              <a:endParaRPr lang="fr-FR"/>
+            </a:p>
+          </p:txBody>
+        </p:sp>
+        <p:sp>
+          <p:nvSpPr>
+            <p:cNvPr id="52" name="Shape 57"/>
+            <p:cNvSpPr/>
+            <p:nvPr/>
+          </p:nvSpPr>
+          <p:spPr>
+            <a:xfrm>
+              <a:off x="1501358" y="534781"/>
+              <a:ext cx="35432" cy="79335"/>
+            </a:xfrm>
+            <a:custGeom>
+              <a:avLst/>
+              <a:gdLst/>
+              <a:ahLst/>
+              <a:cxnLst/>
+              <a:rect l="0" t="0" r="0" b="0"/>
+              <a:pathLst>
+                <a:path w="35432" h="79335">
+                  <a:moveTo>
+                    <a:pt x="0" y="0"/>
+                  </a:moveTo>
+                  <a:lnTo>
+                    <a:pt x="3305" y="0"/>
+                  </a:lnTo>
+                  <a:cubicBezTo>
+                    <a:pt x="13402" y="0"/>
+                    <a:pt x="21112" y="2939"/>
+                    <a:pt x="26252" y="8081"/>
+                  </a:cubicBezTo>
+                  <a:cubicBezTo>
+                    <a:pt x="30659" y="12488"/>
+                    <a:pt x="33229" y="18548"/>
+                    <a:pt x="33229" y="26262"/>
+                  </a:cubicBezTo>
+                  <a:lnTo>
+                    <a:pt x="33229" y="26445"/>
+                  </a:lnTo>
+                  <a:cubicBezTo>
+                    <a:pt x="33229" y="39117"/>
+                    <a:pt x="26252" y="47198"/>
+                    <a:pt x="16339" y="50871"/>
+                  </a:cubicBezTo>
+                  <a:lnTo>
+                    <a:pt x="35432" y="79335"/>
+                  </a:lnTo>
+                  <a:lnTo>
+                    <a:pt x="15054" y="79335"/>
+                  </a:lnTo>
+                  <a:lnTo>
+                    <a:pt x="0" y="56583"/>
+                  </a:lnTo>
+                  <a:lnTo>
+                    <a:pt x="0" y="38750"/>
+                  </a:lnTo>
+                  <a:lnTo>
+                    <a:pt x="2019" y="38750"/>
+                  </a:lnTo>
+                  <a:cubicBezTo>
+                    <a:pt x="10648" y="38750"/>
+                    <a:pt x="15605" y="33975"/>
+                    <a:pt x="15605" y="27363"/>
+                  </a:cubicBezTo>
+                  <a:cubicBezTo>
+                    <a:pt x="15605" y="19650"/>
+                    <a:pt x="10464" y="15610"/>
+                    <a:pt x="1836" y="15977"/>
+                  </a:cubicBezTo>
+                  <a:lnTo>
+                    <a:pt x="0" y="15977"/>
+                  </a:lnTo>
+                  <a:lnTo>
+                    <a:pt x="0" y="0"/>
+                  </a:lnTo>
+                  <a:close/>
+                </a:path>
+              </a:pathLst>
+            </a:custGeom>
+            <a:ln w="0" cap="flat">
+              <a:miter lim="127000"/>
+            </a:ln>
+          </p:spPr>
+          <p:style>
+            <a:lnRef idx="0">
+              <a:srgbClr val="000000"/>
+            </a:lnRef>
+            <a:fillRef idx="1">
+              <a:srgbClr val="000000"/>
+            </a:fillRef>
+            <a:effectRef idx="0">
+              <a:scrgbClr r="0" g="0" b="0"/>
+            </a:effectRef>
+            <a:fontRef idx="none"/>
+          </p:style>
+          <p:txBody>
+            <a:bodyPr/>
+            <a:lstStyle/>
+            <a:p>
+              <a:endParaRPr lang="fr-FR"/>
+            </a:p>
+          </p:txBody>
+        </p:sp>
+      </p:grpSp>
+      <p:grpSp>
+        <p:nvGrpSpPr>
+          <p:cNvPr id="53" name="Groupe 52"/>
+          <p:cNvGrpSpPr/>
+          <p:nvPr/>
+        </p:nvGrpSpPr>
+        <p:grpSpPr>
+          <a:xfrm>
+            <a:off x="8995978" y="329679"/>
+            <a:ext cx="3264810" cy="1026418"/>
+            <a:chOff x="8995978" y="329679"/>
+            <a:chExt cx="3264810" cy="1026418"/>
+          </a:xfrm>
+        </p:grpSpPr>
+        <p:sp>
+          <p:nvSpPr>
+            <p:cNvPr id="54" name="ZoneTexte 53"/>
+            <p:cNvSpPr txBox="1"/>
+            <p:nvPr/>
+          </p:nvSpPr>
+          <p:spPr>
+            <a:xfrm>
+              <a:off x="10713185" y="986765"/>
+              <a:ext cx="1547603" cy="369332"/>
+            </a:xfrm>
+            <a:prstGeom prst="rect">
+              <a:avLst/>
+            </a:prstGeom>
+            <a:noFill/>
+          </p:spPr>
+          <p:txBody>
+            <a:bodyPr wrap="none" rtlCol="0">
+              <a:spAutoFit/>
+            </a:bodyPr>
+            <a:lstStyle/>
+            <a:p>
+              <a:r>
+                <a:rPr lang="" dirty="0" smtClean="0"/>
+                <a:t>Girou - Martin</a:t>
+              </a:r>
+              <a:endParaRPr lang="fr-FR" dirty="0"/>
+            </a:p>
+          </p:txBody>
+        </p:sp>
+        <p:sp>
+          <p:nvSpPr>
+            <p:cNvPr id="55" name="Rectangle 54"/>
+            <p:cNvSpPr/>
+            <p:nvPr/>
+          </p:nvSpPr>
+          <p:spPr>
+            <a:xfrm>
+              <a:off x="8995978" y="349192"/>
+              <a:ext cx="3196022" cy="688373"/>
+            </a:xfrm>
+            <a:prstGeom prst="rect">
+              <a:avLst/>
+            </a:prstGeom>
+            <a:ln>
+              <a:noFill/>
+            </a:ln>
+          </p:spPr>
+          <p:style>
+            <a:lnRef idx="2">
+              <a:schemeClr val="accent1">
+                <a:shade val="50000"/>
+              </a:schemeClr>
+            </a:lnRef>
+            <a:fillRef idx="1">
+              <a:schemeClr val="accent1"/>
+            </a:fillRef>
+            <a:effectRef idx="0">
+              <a:schemeClr val="accent1"/>
+            </a:effectRef>
+            <a:fontRef idx="minor">
+              <a:schemeClr val="lt1"/>
+            </a:fontRef>
+          </p:style>
+          <p:txBody>
+            <a:bodyPr rtlCol="0" anchor="ctr"/>
+            <a:lstStyle/>
+            <a:p>
+              <a:pPr algn="ctr"/>
+              <a:endParaRPr lang="fr-FR"/>
+            </a:p>
+          </p:txBody>
+        </p:sp>
+        <p:sp>
+          <p:nvSpPr>
+            <p:cNvPr id="56" name="ZoneTexte 55"/>
+            <p:cNvSpPr txBox="1"/>
+            <p:nvPr/>
+          </p:nvSpPr>
+          <p:spPr>
+            <a:xfrm>
+              <a:off x="9570720" y="329679"/>
+              <a:ext cx="2621280" cy="707886"/>
+            </a:xfrm>
+            <a:prstGeom prst="rect">
+              <a:avLst/>
+            </a:prstGeom>
+            <a:noFill/>
+          </p:spPr>
+          <p:txBody>
+            <a:bodyPr wrap="square" rtlCol="0">
+              <a:spAutoFit/>
+            </a:bodyPr>
+            <a:lstStyle/>
+            <a:p>
+              <a:pPr algn="r"/>
+              <a:r>
+                <a:rPr lang="fr-FR" sz="2000" dirty="0" smtClean="0">
+                  <a:latin typeface="Audiowide" panose="02000503000000020004" pitchFamily="2" charset="0"/>
+                </a:rPr>
+                <a:t>Public</a:t>
+              </a:r>
+              <a:r>
+                <a:rPr lang="" sz="2000" dirty="0" smtClean="0">
+                  <a:latin typeface="Audiowide" panose="02000503000000020004" pitchFamily="2" charset="0"/>
+                </a:rPr>
+                <a:t> </a:t>
+              </a:r>
+              <a:r>
+                <a:rPr lang="fr-FR" sz="2000" dirty="0" smtClean="0">
+                  <a:latin typeface="Audiowide" panose="02000503000000020004" pitchFamily="2" charset="0"/>
+                </a:rPr>
+                <a:t>Transport</a:t>
+              </a:r>
+              <a:r>
+                <a:rPr lang="" sz="2000" dirty="0" smtClean="0">
+                  <a:latin typeface="Audiowide" panose="02000503000000020004" pitchFamily="2" charset="0"/>
+                </a:rPr>
+                <a:t> </a:t>
+              </a:r>
+              <a:r>
+                <a:rPr lang="fr-FR" sz="2000" dirty="0" smtClean="0">
+                  <a:latin typeface="Audiowide" panose="02000503000000020004" pitchFamily="2" charset="0"/>
+                </a:rPr>
+                <a:t>Connections</a:t>
+              </a:r>
+              <a:endParaRPr lang="fr-FR" sz="2000" dirty="0">
+                <a:latin typeface="Audiowide" panose="02000503000000020004" pitchFamily="2" charset="0"/>
+              </a:endParaRPr>
+            </a:p>
+          </p:txBody>
+        </p:sp>
+      </p:grpSp>
+      <p:sp>
+        <p:nvSpPr>
+          <p:cNvPr id="57" name="ZoneTexte 56"/>
+          <p:cNvSpPr txBox="1"/>
+          <p:nvPr/>
+        </p:nvSpPr>
+        <p:spPr>
+          <a:xfrm>
+            <a:off x="528320" y="514345"/>
+            <a:ext cx="5184433" cy="523220"/>
+          </a:xfrm>
+          <a:prstGeom prst="rect">
+            <a:avLst/>
+          </a:prstGeom>
+          <a:noFill/>
+        </p:spPr>
+        <p:txBody>
+          <a:bodyPr wrap="none" rtlCol="0">
+            <a:spAutoFit/>
+          </a:bodyPr>
+          <a:lstStyle/>
+          <a:p>
+            <a:r>
+              <a:rPr lang="" sz="2800" dirty="0" smtClean="0">
+                <a:latin typeface="Razer Blackwidow" panose="02000A03000000000000" pitchFamily="2" charset="0"/>
+              </a:rPr>
+              <a:t>Th</a:t>
+            </a:r>
+            <a:r>
+              <a:rPr lang="" sz="2800" dirty="0" smtClean="0">
+                <a:latin typeface="Razer Blackwidow" panose="02000A03000000000000" pitchFamily="2" charset="0"/>
+              </a:rPr>
+              <a:t>ings we could change</a:t>
+            </a:r>
+            <a:endParaRPr lang="fr-FR" sz="2800" dirty="0">
+              <a:latin typeface="Razer Blackwidow" panose="02000A03000000000000" pitchFamily="2" charset="0"/>
+            </a:endParaRPr>
+          </a:p>
+        </p:txBody>
+      </p:sp>
+      <p:sp>
+        <p:nvSpPr>
+          <p:cNvPr id="58" name="Rectangle 57"/>
+          <p:cNvSpPr/>
+          <p:nvPr/>
+        </p:nvSpPr>
+        <p:spPr>
+          <a:xfrm>
+            <a:off x="898771" y="1615636"/>
+            <a:ext cx="5381311" cy="954107"/>
+          </a:xfrm>
+          <a:prstGeom prst="rect">
+            <a:avLst/>
+          </a:prstGeom>
+        </p:spPr>
+        <p:txBody>
+          <a:bodyPr wrap="square">
+            <a:spAutoFit/>
+          </a:bodyPr>
+          <a:lstStyle/>
+          <a:p>
+            <a:r>
+              <a:rPr lang="" sz="2800" dirty="0" smtClean="0"/>
+              <a:t>Having a custom time between each stop</a:t>
+            </a:r>
+            <a:endParaRPr lang="fr-FR" sz="2800" dirty="0"/>
+          </a:p>
+        </p:txBody>
+      </p:sp>
+      <p:sp>
+        <p:nvSpPr>
+          <p:cNvPr id="59" name="Rectangle 58"/>
+          <p:cNvSpPr/>
+          <p:nvPr/>
+        </p:nvSpPr>
+        <p:spPr>
+          <a:xfrm>
+            <a:off x="896133" y="2893811"/>
+            <a:ext cx="5381311" cy="954107"/>
+          </a:xfrm>
+          <a:prstGeom prst="rect">
+            <a:avLst/>
+          </a:prstGeom>
+        </p:spPr>
+        <p:txBody>
+          <a:bodyPr wrap="square">
+            <a:spAutoFit/>
+          </a:bodyPr>
+          <a:lstStyle/>
+          <a:p>
+            <a:r>
+              <a:rPr lang="" sz="2800" dirty="0" smtClean="0"/>
+              <a:t>Outputing where to change line and to which line</a:t>
+            </a:r>
+            <a:endParaRPr lang="fr-FR" sz="2800" dirty="0"/>
+          </a:p>
+        </p:txBody>
+      </p:sp>
+      <p:sp>
+        <p:nvSpPr>
+          <p:cNvPr id="60" name="Rectangle 59"/>
+          <p:cNvSpPr/>
+          <p:nvPr/>
+        </p:nvSpPr>
+        <p:spPr>
+          <a:xfrm>
+            <a:off x="896132" y="4149439"/>
+            <a:ext cx="5381311" cy="954107"/>
+          </a:xfrm>
+          <a:prstGeom prst="rect">
+            <a:avLst/>
+          </a:prstGeom>
+        </p:spPr>
+        <p:txBody>
+          <a:bodyPr wrap="square">
+            <a:spAutoFit/>
+          </a:bodyPr>
+          <a:lstStyle/>
+          <a:p>
+            <a:r>
+              <a:rPr lang="" sz="2800" dirty="0" smtClean="0"/>
+              <a:t>Helping the user avoiding changing lines when not necessary</a:t>
+            </a:r>
+            <a:endParaRPr lang="fr-FR" sz="2800" dirty="0"/>
+          </a:p>
+        </p:txBody>
+      </p:sp>
+    </p:spTree>
+    <p:extLst>
+      <p:ext uri="{BB962C8B-B14F-4D97-AF65-F5344CB8AC3E}">
+        <p14:creationId xmlns:p14="http://schemas.microsoft.com/office/powerpoint/2010/main" val="2824079641"/>
+      </p:ext>
+    </p:extLst>
+  </p:cSld>
+  <p:clrMapOvr>
+    <a:masterClrMapping/>
+  </p:clrMapOvr>
+  <mc:AlternateContent xmlns:mc="http://schemas.openxmlformats.org/markup-compatibility/2006">
+    <mc:Choice xmlns:p14="http://schemas.microsoft.com/office/powerpoint/2010/main" Requires="p14">
+      <p:transition spd="med" p14:dur="700">
+        <p:fade/>
+      </p:transition>
+    </mc:Choice>
+    <mc:Fallback>
+      <p:transition spd="med">
+        <p:fade/>
+      </p:transition>
+    </mc:Fallback>
+  </mc:AlternateContent>
+  <p:timing>
+    <p:tnLst>
+      <p:par>
+        <p:cTn id="1" dur="indefinite" restart="never" nodeType="tmRoot">
+          <p:childTnLst>
+            <p:seq concurrent="1" nextAc="seek">
+              <p:cTn id="2" dur="indefinite" nodeType="mainSeq">
+                <p:childTnLst>
+                  <p:par>
+                    <p:cTn id="3" fill="hold">
+                      <p:stCondLst>
+                        <p:cond delay="indefinite"/>
+                      </p:stCondLst>
+                      <p:childTnLst>
+                        <p:par>
+                          <p:cTn id="4" fill="hold">
+                            <p:stCondLst>
+                              <p:cond delay="0"/>
+                            </p:stCondLst>
+                            <p:childTnLst>
+                              <p:par>
+                                <p:cTn id="5" presetID="22" presetClass="entr" presetSubtype="8" fill="hold" grpId="0" nodeType="clickEffect">
+                                  <p:stCondLst>
+                                    <p:cond delay="0"/>
+                                  </p:stCondLst>
+                                  <p:childTnLst>
+                                    <p:set>
+                                      <p:cBhvr>
+                                        <p:cTn id="6" dur="1" fill="hold">
+                                          <p:stCondLst>
+                                            <p:cond delay="0"/>
+                                          </p:stCondLst>
+                                        </p:cTn>
+                                        <p:tgtEl>
+                                          <p:spTgt spid="58"/>
+                                        </p:tgtEl>
+                                        <p:attrNameLst>
+                                          <p:attrName>style.visibility</p:attrName>
+                                        </p:attrNameLst>
+                                      </p:cBhvr>
+                                      <p:to>
+                                        <p:strVal val="visible"/>
+                                      </p:to>
+                                    </p:set>
+                                    <p:animEffect transition="in" filter="wipe(left)">
+                                      <p:cBhvr>
+                                        <p:cTn id="7" dur="500"/>
+                                        <p:tgtEl>
+                                          <p:spTgt spid="58"/>
+                                        </p:tgtEl>
+                                      </p:cBhvr>
+                                    </p:animEffect>
+                                  </p:childTnLst>
+                                </p:cTn>
+                              </p:par>
+                            </p:childTnLst>
+                          </p:cTn>
+                        </p:par>
+                      </p:childTnLst>
+                    </p:cTn>
+                  </p:par>
+                  <p:par>
+                    <p:cTn id="8" fill="hold">
+                      <p:stCondLst>
+                        <p:cond delay="indefinite"/>
+                      </p:stCondLst>
+                      <p:childTnLst>
+                        <p:par>
+                          <p:cTn id="9" fill="hold">
+                            <p:stCondLst>
+                              <p:cond delay="0"/>
+                            </p:stCondLst>
+                            <p:childTnLst>
+                              <p:par>
+                                <p:cTn id="10" presetID="22" presetClass="entr" presetSubtype="8" fill="hold" grpId="0" nodeType="clickEffect">
+                                  <p:stCondLst>
+                                    <p:cond delay="0"/>
+                                  </p:stCondLst>
+                                  <p:childTnLst>
+                                    <p:set>
+                                      <p:cBhvr>
+                                        <p:cTn id="11" dur="1" fill="hold">
+                                          <p:stCondLst>
+                                            <p:cond delay="0"/>
+                                          </p:stCondLst>
+                                        </p:cTn>
+                                        <p:tgtEl>
+                                          <p:spTgt spid="59"/>
+                                        </p:tgtEl>
+                                        <p:attrNameLst>
+                                          <p:attrName>style.visibility</p:attrName>
+                                        </p:attrNameLst>
+                                      </p:cBhvr>
+                                      <p:to>
+                                        <p:strVal val="visible"/>
+                                      </p:to>
+                                    </p:set>
+                                    <p:animEffect transition="in" filter="wipe(left)">
+                                      <p:cBhvr>
+                                        <p:cTn id="12" dur="500"/>
+                                        <p:tgtEl>
+                                          <p:spTgt spid="59"/>
+                                        </p:tgtEl>
+                                      </p:cBhvr>
+                                    </p:animEffect>
+                                  </p:childTnLst>
+                                </p:cTn>
+                              </p:par>
+                            </p:childTnLst>
+                          </p:cTn>
+                        </p:par>
+                      </p:childTnLst>
+                    </p:cTn>
+                  </p:par>
+                  <p:par>
+                    <p:cTn id="13" fill="hold">
+                      <p:stCondLst>
+                        <p:cond delay="indefinite"/>
+                      </p:stCondLst>
+                      <p:childTnLst>
+                        <p:par>
+                          <p:cTn id="14" fill="hold">
+                            <p:stCondLst>
+                              <p:cond delay="0"/>
+                            </p:stCondLst>
+                            <p:childTnLst>
+                              <p:par>
+                                <p:cTn id="15" presetID="22" presetClass="entr" presetSubtype="8" fill="hold" grpId="0" nodeType="clickEffect">
+                                  <p:stCondLst>
+                                    <p:cond delay="0"/>
+                                  </p:stCondLst>
+                                  <p:childTnLst>
+                                    <p:set>
+                                      <p:cBhvr>
+                                        <p:cTn id="16" dur="1" fill="hold">
+                                          <p:stCondLst>
+                                            <p:cond delay="0"/>
+                                          </p:stCondLst>
+                                        </p:cTn>
+                                        <p:tgtEl>
+                                          <p:spTgt spid="60"/>
+                                        </p:tgtEl>
+                                        <p:attrNameLst>
+                                          <p:attrName>style.visibility</p:attrName>
+                                        </p:attrNameLst>
+                                      </p:cBhvr>
+                                      <p:to>
+                                        <p:strVal val="visible"/>
+                                      </p:to>
+                                    </p:set>
+                                    <p:animEffect transition="in" filter="wipe(left)">
+                                      <p:cBhvr>
+                                        <p:cTn id="17" dur="500"/>
+                                        <p:tgtEl>
+                                          <p:spTgt spid="60"/>
+                                        </p:tgtEl>
+                                      </p:cBhvr>
+                                    </p:animEffect>
+                                  </p:childTnLst>
+                                </p:cTn>
+                              </p:par>
+                            </p:childTnLst>
+                          </p:cTn>
+                        </p:par>
+                      </p:childTnLst>
+                    </p:cTn>
+                  </p:par>
+                </p:childTnLst>
+              </p:cTn>
+              <p:prevCondLst>
+                <p:cond evt="onPrev" delay="0">
+                  <p:tgtEl>
+                    <p:sldTgt/>
+                  </p:tgtEl>
+                </p:cond>
+              </p:prevCondLst>
+              <p:nextCondLst>
+                <p:cond evt="onNext" delay="0">
+                  <p:tgtEl>
+                    <p:sldTgt/>
+                  </p:tgtEl>
+                </p:cond>
+              </p:nextCondLst>
+            </p:seq>
+          </p:childTnLst>
+        </p:cTn>
+      </p:par>
+    </p:tnLst>
+    <p:bldLst>
+      <p:bldP spid="58" grpId="0"/>
+      <p:bldP spid="59" grpId="0"/>
+      <p:bldP spid="60" grpId="0"/>
+    </p:bldLst>
+  </p:timing>
+</p:sld>
+</file>
+
+<file path=ppt/slides/slide13.xml><?xml version="1.0" encoding="utf-8"?>
+<p:sld xmlns:a="http://schemas.openxmlformats.org/drawingml/2006/main" xmlns:r="http://schemas.openxmlformats.org/officeDocument/2006/relationships" xmlns:p="http://schemas.openxmlformats.org/presentationml/2006/main">
+  <p:cSld>
     <p:bg>
       <p:bgPr>
         <a:solidFill>

--- a/publicTransportConnection-pres.pptx
+++ b/publicTransportConnection-pres.pptx
@@ -255,7 +255,7 @@
           <a:p>
             <a:fld id="{A0EE42E1-5E48-4E5A-961C-0935A2BE719D}" type="datetimeFigureOut">
               <a:rPr lang="fr-FR" smtClean="0"/>
-              <a:t>09/01/2022</a:t>
+              <a:t>10/01/2022</a:t>
             </a:fld>
             <a:endParaRPr lang="fr-FR"/>
           </a:p>
@@ -437,7 +437,7 @@
           <a:p>
             <a:fld id="{A0EE42E1-5E48-4E5A-961C-0935A2BE719D}" type="datetimeFigureOut">
               <a:rPr lang="fr-FR" smtClean="0"/>
-              <a:t>09/01/2022</a:t>
+              <a:t>10/01/2022</a:t>
             </a:fld>
             <a:endParaRPr lang="fr-FR"/>
           </a:p>
@@ -629,7 +629,7 @@
           <a:p>
             <a:fld id="{A0EE42E1-5E48-4E5A-961C-0935A2BE719D}" type="datetimeFigureOut">
               <a:rPr lang="fr-FR" smtClean="0"/>
-              <a:t>09/01/2022</a:t>
+              <a:t>10/01/2022</a:t>
             </a:fld>
             <a:endParaRPr lang="fr-FR"/>
           </a:p>
@@ -811,7 +811,7 @@
           <a:p>
             <a:fld id="{A0EE42E1-5E48-4E5A-961C-0935A2BE719D}" type="datetimeFigureOut">
               <a:rPr lang="fr-FR" smtClean="0"/>
-              <a:t>09/01/2022</a:t>
+              <a:t>10/01/2022</a:t>
             </a:fld>
             <a:endParaRPr lang="fr-FR"/>
           </a:p>
@@ -1069,7 +1069,7 @@
           <a:p>
             <a:fld id="{A0EE42E1-5E48-4E5A-961C-0935A2BE719D}" type="datetimeFigureOut">
               <a:rPr lang="fr-FR" smtClean="0"/>
-              <a:t>09/01/2022</a:t>
+              <a:t>10/01/2022</a:t>
             </a:fld>
             <a:endParaRPr lang="fr-FR"/>
           </a:p>
@@ -1313,7 +1313,7 @@
           <a:p>
             <a:fld id="{A0EE42E1-5E48-4E5A-961C-0935A2BE719D}" type="datetimeFigureOut">
               <a:rPr lang="fr-FR" smtClean="0"/>
-              <a:t>09/01/2022</a:t>
+              <a:t>10/01/2022</a:t>
             </a:fld>
             <a:endParaRPr lang="fr-FR"/>
           </a:p>
@@ -1692,7 +1692,7 @@
           <a:p>
             <a:fld id="{A0EE42E1-5E48-4E5A-961C-0935A2BE719D}" type="datetimeFigureOut">
               <a:rPr lang="fr-FR" smtClean="0"/>
-              <a:t>09/01/2022</a:t>
+              <a:t>10/01/2022</a:t>
             </a:fld>
             <a:endParaRPr lang="fr-FR"/>
           </a:p>
@@ -1822,7 +1822,7 @@
           <a:p>
             <a:fld id="{A0EE42E1-5E48-4E5A-961C-0935A2BE719D}" type="datetimeFigureOut">
               <a:rPr lang="fr-FR" smtClean="0"/>
-              <a:t>09/01/2022</a:t>
+              <a:t>10/01/2022</a:t>
             </a:fld>
             <a:endParaRPr lang="fr-FR"/>
           </a:p>
@@ -1929,7 +1929,7 @@
           <a:p>
             <a:fld id="{A0EE42E1-5E48-4E5A-961C-0935A2BE719D}" type="datetimeFigureOut">
               <a:rPr lang="fr-FR" smtClean="0"/>
-              <a:t>09/01/2022</a:t>
+              <a:t>10/01/2022</a:t>
             </a:fld>
             <a:endParaRPr lang="fr-FR"/>
           </a:p>
@@ -2218,7 +2218,7 @@
           <a:p>
             <a:fld id="{A0EE42E1-5E48-4E5A-961C-0935A2BE719D}" type="datetimeFigureOut">
               <a:rPr lang="fr-FR" smtClean="0"/>
-              <a:t>09/01/2022</a:t>
+              <a:t>10/01/2022</a:t>
             </a:fld>
             <a:endParaRPr lang="fr-FR"/>
           </a:p>
@@ -2483,7 +2483,7 @@
           <a:p>
             <a:fld id="{A0EE42E1-5E48-4E5A-961C-0935A2BE719D}" type="datetimeFigureOut">
               <a:rPr lang="fr-FR" smtClean="0"/>
-              <a:t>09/01/2022</a:t>
+              <a:t>10/01/2022</a:t>
             </a:fld>
             <a:endParaRPr lang="fr-FR"/>
           </a:p>
@@ -2738,7 +2738,7 @@
           <a:p>
             <a:fld id="{A0EE42E1-5E48-4E5A-961C-0935A2BE719D}" type="datetimeFigureOut">
               <a:rPr lang="fr-FR" smtClean="0"/>
-              <a:t>09/01/2022</a:t>
+              <a:t>10/01/2022</a:t>
             </a:fld>
             <a:endParaRPr lang="fr-FR"/>
           </a:p>
@@ -16606,13 +16606,7 @@
               <a:rPr lang="" sz="2800" dirty="0" smtClean="0">
                 <a:latin typeface="Razer Blackwidow" panose="02000A03000000000000" pitchFamily="2" charset="0"/>
               </a:rPr>
-              <a:t>Th</a:t>
-            </a:r>
-            <a:r>
-              <a:rPr lang="" sz="2800" dirty="0" smtClean="0">
-                <a:latin typeface="Razer Blackwidow" panose="02000A03000000000000" pitchFamily="2" charset="0"/>
-              </a:rPr>
-              <a:t>ings we could change</a:t>
+              <a:t>Things we could change</a:t>
             </a:r>
             <a:endParaRPr lang="fr-FR" sz="2800" dirty="0">
               <a:latin typeface="Razer Blackwidow" panose="02000A03000000000000" pitchFamily="2" charset="0"/>
@@ -16717,13 +16711,13 @@
   <p:clrMapOvr>
     <a:masterClrMapping/>
   </p:clrMapOvr>
-  <mc:AlternateContent xmlns:mc="http://schemas.openxmlformats.org/markup-compatibility/2006">
-    <mc:Choice xmlns:p14="http://schemas.microsoft.com/office/powerpoint/2010/main" Requires="p14">
+  <mc:AlternateContent xmlns:mc="http://schemas.openxmlformats.org/markup-compatibility/2006" xmlns:p14="http://schemas.microsoft.com/office/powerpoint/2010/main">
+    <mc:Choice Requires="p14">
       <p:transition spd="med" p14:dur="700">
         <p:fade/>
       </p:transition>
     </mc:Choice>
-    <mc:Fallback>
+    <mc:Fallback xmlns="">
       <p:transition spd="med">
         <p:fade/>
       </p:transition>

--- a/publicTransportConnection-pres.pptx
+++ b/publicTransportConnection-pres.pptx
@@ -20926,8 +20926,8 @@
         </p:nvSpPr>
         <p:spPr>
           <a:xfrm>
-            <a:off x="768641" y="2145201"/>
-            <a:ext cx="3810457" cy="400110"/>
+            <a:off x="768642" y="2145201"/>
+            <a:ext cx="3684826" cy="400110"/>
           </a:xfrm>
           <a:prstGeom prst="rect">
             <a:avLst/>

--- a/publicTransportConnection-pres.pptx
+++ b/publicTransportConnection-pres.pptx
@@ -20869,7 +20869,7 @@
         <p:spPr>
           <a:xfrm>
             <a:off x="563179" y="1532466"/>
-            <a:ext cx="9097288" cy="707886"/>
+            <a:ext cx="9097288" cy="1323439"/>
           </a:xfrm>
           <a:prstGeom prst="rect">
             <a:avLst/>
@@ -20900,17 +20900,16 @@
               </a:rPr>
               <a:t>Transport</a:t>
             </a:r>
-            <a:r>
-              <a:rPr lang="" sz="4000" dirty="0" smtClean="0">
-                <a:latin typeface="Audiowide" panose="02000503000000020004" pitchFamily="2" charset="0"/>
-              </a:rPr>
-              <a:t> </a:t>
-            </a:r>
+            <a:endParaRPr lang="" sz="4000" dirty="0">
+              <a:latin typeface="Audiowide" panose="02000503000000020004" pitchFamily="2" charset="0"/>
+            </a:endParaRPr>
+          </a:p>
+          <a:p>
             <a:r>
               <a:rPr lang="fr-FR" sz="4000" dirty="0" smtClean="0">
                 <a:latin typeface="Audiowide" panose="02000503000000020004" pitchFamily="2" charset="0"/>
               </a:rPr>
-              <a:t>Connections</a:t>
+              <a:t> Connections</a:t>
             </a:r>
             <a:endParaRPr lang="fr-FR" sz="4000" dirty="0">
               <a:latin typeface="Audiowide" panose="02000503000000020004" pitchFamily="2" charset="0"/>
@@ -20926,7 +20925,7 @@
         </p:nvSpPr>
         <p:spPr>
           <a:xfrm>
-            <a:off x="768642" y="2145201"/>
+            <a:off x="1012155" y="2846933"/>
             <a:ext cx="3684826" cy="400110"/>
           </a:xfrm>
           <a:prstGeom prst="rect">
@@ -20974,6 +20973,47 @@
           <a:prstGeom prst="rect">
             <a:avLst/>
           </a:prstGeom>
+        </p:spPr>
+      </p:pic>
+      <p:pic>
+        <p:nvPicPr>
+          <p:cNvPr id="1026" name="Picture 2" descr="https://pngimg.com/uploads/tram/tram_PNG24.png"/>
+          <p:cNvPicPr>
+            <a:picLocks noChangeAspect="1" noChangeArrowheads="1"/>
+          </p:cNvPicPr>
+          <p:nvPr/>
+        </p:nvPicPr>
+        <p:blipFill>
+          <a:blip r:embed="rId3">
+            <a:extLst>
+              <a:ext uri="{28A0092B-C50C-407E-A947-70E740481C1C}">
+                <a14:useLocalDpi xmlns:a14="http://schemas.microsoft.com/office/drawing/2010/main" val="0"/>
+              </a:ext>
+            </a:extLst>
+          </a:blip>
+          <a:srcRect/>
+          <a:stretch>
+            <a:fillRect/>
+          </a:stretch>
+        </p:blipFill>
+        <p:spPr bwMode="auto">
+          <a:xfrm>
+            <a:off x="5105400" y="0"/>
+            <a:ext cx="7086600" cy="5581651"/>
+          </a:xfrm>
+          <a:prstGeom prst="rect">
+            <a:avLst/>
+          </a:prstGeom>
+          <a:noFill/>
+          <a:extLst>
+            <a:ext uri="{909E8E84-426E-40DD-AFC4-6F175D3DCCD1}">
+              <a14:hiddenFill xmlns:a14="http://schemas.microsoft.com/office/drawing/2010/main">
+                <a:solidFill>
+                  <a:srgbClr val="FFFFFF"/>
+                </a:solidFill>
+              </a14:hiddenFill>
+            </a:ext>
+          </a:extLst>
         </p:spPr>
       </p:pic>
     </p:spTree>

--- a/publicTransportConnection-pres.pptx
+++ b/publicTransportConnection-pres.pptx
@@ -255,7 +255,7 @@
           <a:p>
             <a:fld id="{A0EE42E1-5E48-4E5A-961C-0935A2BE719D}" type="datetimeFigureOut">
               <a:rPr lang="fr-FR" smtClean="0"/>
-              <a:t>10/01/2022</a:t>
+              <a:t>12/01/2022</a:t>
             </a:fld>
             <a:endParaRPr lang="fr-FR"/>
           </a:p>
@@ -437,7 +437,7 @@
           <a:p>
             <a:fld id="{A0EE42E1-5E48-4E5A-961C-0935A2BE719D}" type="datetimeFigureOut">
               <a:rPr lang="fr-FR" smtClean="0"/>
-              <a:t>10/01/2022</a:t>
+              <a:t>12/01/2022</a:t>
             </a:fld>
             <a:endParaRPr lang="fr-FR"/>
           </a:p>
@@ -629,7 +629,7 @@
           <a:p>
             <a:fld id="{A0EE42E1-5E48-4E5A-961C-0935A2BE719D}" type="datetimeFigureOut">
               <a:rPr lang="fr-FR" smtClean="0"/>
-              <a:t>10/01/2022</a:t>
+              <a:t>12/01/2022</a:t>
             </a:fld>
             <a:endParaRPr lang="fr-FR"/>
           </a:p>
@@ -811,7 +811,7 @@
           <a:p>
             <a:fld id="{A0EE42E1-5E48-4E5A-961C-0935A2BE719D}" type="datetimeFigureOut">
               <a:rPr lang="fr-FR" smtClean="0"/>
-              <a:t>10/01/2022</a:t>
+              <a:t>12/01/2022</a:t>
             </a:fld>
             <a:endParaRPr lang="fr-FR"/>
           </a:p>
@@ -1069,7 +1069,7 @@
           <a:p>
             <a:fld id="{A0EE42E1-5E48-4E5A-961C-0935A2BE719D}" type="datetimeFigureOut">
               <a:rPr lang="fr-FR" smtClean="0"/>
-              <a:t>10/01/2022</a:t>
+              <a:t>12/01/2022</a:t>
             </a:fld>
             <a:endParaRPr lang="fr-FR"/>
           </a:p>
@@ -1313,7 +1313,7 @@
           <a:p>
             <a:fld id="{A0EE42E1-5E48-4E5A-961C-0935A2BE719D}" type="datetimeFigureOut">
               <a:rPr lang="fr-FR" smtClean="0"/>
-              <a:t>10/01/2022</a:t>
+              <a:t>12/01/2022</a:t>
             </a:fld>
             <a:endParaRPr lang="fr-FR"/>
           </a:p>
@@ -1692,7 +1692,7 @@
           <a:p>
             <a:fld id="{A0EE42E1-5E48-4E5A-961C-0935A2BE719D}" type="datetimeFigureOut">
               <a:rPr lang="fr-FR" smtClean="0"/>
-              <a:t>10/01/2022</a:t>
+              <a:t>12/01/2022</a:t>
             </a:fld>
             <a:endParaRPr lang="fr-FR"/>
           </a:p>
@@ -1822,7 +1822,7 @@
           <a:p>
             <a:fld id="{A0EE42E1-5E48-4E5A-961C-0935A2BE719D}" type="datetimeFigureOut">
               <a:rPr lang="fr-FR" smtClean="0"/>
-              <a:t>10/01/2022</a:t>
+              <a:t>12/01/2022</a:t>
             </a:fld>
             <a:endParaRPr lang="fr-FR"/>
           </a:p>
@@ -1929,7 +1929,7 @@
           <a:p>
             <a:fld id="{A0EE42E1-5E48-4E5A-961C-0935A2BE719D}" type="datetimeFigureOut">
               <a:rPr lang="fr-FR" smtClean="0"/>
-              <a:t>10/01/2022</a:t>
+              <a:t>12/01/2022</a:t>
             </a:fld>
             <a:endParaRPr lang="fr-FR"/>
           </a:p>
@@ -2218,7 +2218,7 @@
           <a:p>
             <a:fld id="{A0EE42E1-5E48-4E5A-961C-0935A2BE719D}" type="datetimeFigureOut">
               <a:rPr lang="fr-FR" smtClean="0"/>
-              <a:t>10/01/2022</a:t>
+              <a:t>12/01/2022</a:t>
             </a:fld>
             <a:endParaRPr lang="fr-FR"/>
           </a:p>
@@ -2483,7 +2483,7 @@
           <a:p>
             <a:fld id="{A0EE42E1-5E48-4E5A-961C-0935A2BE719D}" type="datetimeFigureOut">
               <a:rPr lang="fr-FR" smtClean="0"/>
-              <a:t>10/01/2022</a:t>
+              <a:t>12/01/2022</a:t>
             </a:fld>
             <a:endParaRPr lang="fr-FR"/>
           </a:p>
@@ -2738,7 +2738,7 @@
           <a:p>
             <a:fld id="{A0EE42E1-5E48-4E5A-961C-0935A2BE719D}" type="datetimeFigureOut">
               <a:rPr lang="fr-FR" smtClean="0"/>
-              <a:t>10/01/2022</a:t>
+              <a:t>12/01/2022</a:t>
             </a:fld>
             <a:endParaRPr lang="fr-FR"/>
           </a:p>
@@ -49250,7 +49250,13 @@
               <a:rPr lang="" dirty="0">
                 <a:latin typeface="Consolas" panose="020B0609020204030204" pitchFamily="49" charset="0"/>
               </a:rPr>
-              <a:t>	</a:t>
+              <a:t> </a:t>
+            </a:r>
+            <a:r>
+              <a:rPr lang="" dirty="0" smtClean="0">
+                <a:latin typeface="Consolas" panose="020B0609020204030204" pitchFamily="49" charset="0"/>
+              </a:rPr>
+              <a:t>  </a:t>
             </a:r>
             <a:r>
               <a:rPr lang="en-US" dirty="0" err="1" smtClean="0">
@@ -49285,7 +49291,13 @@
               <a:rPr lang="" dirty="0">
                 <a:latin typeface="Consolas" panose="020B0609020204030204" pitchFamily="49" charset="0"/>
               </a:rPr>
-              <a:t>	</a:t>
+              <a:t> </a:t>
+            </a:r>
+            <a:r>
+              <a:rPr lang="" dirty="0" smtClean="0">
+                <a:latin typeface="Consolas" panose="020B0609020204030204" pitchFamily="49" charset="0"/>
+              </a:rPr>
+              <a:t>  </a:t>
             </a:r>
             <a:r>
               <a:rPr lang="en-US" dirty="0" smtClean="0">
@@ -49356,10 +49368,16 @@
           </a:p>
           <a:p>
             <a:r>
+              <a:rPr lang="" dirty="0">
+                <a:latin typeface="Consolas" panose="020B0609020204030204" pitchFamily="49" charset="0"/>
+              </a:rPr>
+              <a:t> </a:t>
+            </a:r>
+            <a:r>
               <a:rPr lang="" dirty="0" smtClean="0">
                 <a:latin typeface="Consolas" panose="020B0609020204030204" pitchFamily="49" charset="0"/>
               </a:rPr>
-              <a:t>	</a:t>
+              <a:t>  </a:t>
             </a:r>
             <a:r>
               <a:rPr lang="en-US" dirty="0" smtClean="0">
@@ -49388,7 +49406,13 @@
               <a:rPr lang="" dirty="0">
                 <a:latin typeface="Consolas" panose="020B0609020204030204" pitchFamily="49" charset="0"/>
               </a:rPr>
-              <a:t>	</a:t>
+              <a:t> </a:t>
+            </a:r>
+            <a:r>
+              <a:rPr lang="" dirty="0" smtClean="0">
+                <a:latin typeface="Consolas" panose="020B0609020204030204" pitchFamily="49" charset="0"/>
+              </a:rPr>
+              <a:t>  </a:t>
             </a:r>
             <a:r>
               <a:rPr lang="" dirty="0" smtClean="0">
@@ -49423,7 +49447,13 @@
               <a:rPr lang="" dirty="0">
                 <a:latin typeface="Consolas" panose="020B0609020204030204" pitchFamily="49" charset="0"/>
               </a:rPr>
-              <a:t>	</a:t>
+              <a:t> </a:t>
+            </a:r>
+            <a:r>
+              <a:rPr lang="" dirty="0" smtClean="0">
+                <a:latin typeface="Consolas" panose="020B0609020204030204" pitchFamily="49" charset="0"/>
+              </a:rPr>
+              <a:t>  </a:t>
             </a:r>
             <a:r>
               <a:rPr lang="en-US" dirty="0" smtClean="0">
@@ -49500,13 +49530,25 @@
               <a:rPr lang="" dirty="0">
                 <a:latin typeface="Consolas" panose="020B0609020204030204" pitchFamily="49" charset="0"/>
               </a:rPr>
-              <a:t>	</a:t>
+              <a:t> </a:t>
+            </a:r>
+            <a:r>
+              <a:rPr lang="" dirty="0" smtClean="0">
+                <a:latin typeface="Consolas" panose="020B0609020204030204" pitchFamily="49" charset="0"/>
+              </a:rPr>
+              <a:t>  </a:t>
             </a:r>
             <a:r>
               <a:rPr lang="en-US" dirty="0" smtClean="0">
                 <a:latin typeface="Consolas" panose="020B0609020204030204" pitchFamily="49" charset="0"/>
               </a:rPr>
-              <a:t>adjacent(Stop1,Next),</a:t>
+              <a:t>adjacent(Stop1,Next</a:t>
+            </a:r>
+            <a:r>
+              <a:rPr lang="en-US" dirty="0" smtClean="0">
+                <a:latin typeface="Consolas" panose="020B0609020204030204" pitchFamily="49" charset="0"/>
+              </a:rPr>
+              <a:t>),</a:t>
             </a:r>
             <a:endParaRPr lang="" dirty="0">
               <a:latin typeface="Consolas" panose="020B0609020204030204" pitchFamily="49" charset="0"/>
@@ -49514,10 +49556,16 @@
           </a:p>
           <a:p>
             <a:r>
+              <a:rPr lang="" dirty="0">
+                <a:latin typeface="Consolas" panose="020B0609020204030204" pitchFamily="49" charset="0"/>
+              </a:rPr>
+              <a:t> </a:t>
+            </a:r>
+            <a:r>
               <a:rPr lang="" dirty="0" smtClean="0">
                 <a:latin typeface="Consolas" panose="020B0609020204030204" pitchFamily="49" charset="0"/>
               </a:rPr>
-              <a:t>	</a:t>
+              <a:t>  </a:t>
             </a:r>
             <a:r>
               <a:rPr lang="en-US" dirty="0" smtClean="0">
@@ -49546,7 +49594,13 @@
               <a:rPr lang="" dirty="0">
                 <a:latin typeface="Consolas" panose="020B0609020204030204" pitchFamily="49" charset="0"/>
               </a:rPr>
-              <a:t>	</a:t>
+              <a:t> </a:t>
+            </a:r>
+            <a:r>
+              <a:rPr lang="" dirty="0" smtClean="0">
+                <a:latin typeface="Consolas" panose="020B0609020204030204" pitchFamily="49" charset="0"/>
+              </a:rPr>
+              <a:t>  </a:t>
             </a:r>
             <a:r>
               <a:rPr lang="en-US" dirty="0" smtClean="0">
@@ -49575,7 +49629,13 @@
               <a:rPr lang="" dirty="0">
                 <a:latin typeface="Consolas" panose="020B0609020204030204" pitchFamily="49" charset="0"/>
               </a:rPr>
-              <a:t>	</a:t>
+              <a:t> </a:t>
+            </a:r>
+            <a:r>
+              <a:rPr lang="" dirty="0" smtClean="0">
+                <a:latin typeface="Consolas" panose="020B0609020204030204" pitchFamily="49" charset="0"/>
+              </a:rPr>
+              <a:t>  </a:t>
             </a:r>
             <a:r>
               <a:rPr lang="en-US" dirty="0" err="1" smtClean="0">
